--- a/MINI_PROJECT/ppt/ASK YOUR SENIOR_PPT.pptx
+++ b/MINI_PROJECT/ppt/ASK YOUR SENIOR_PPT.pptx
@@ -1,32 +1,32 @@
 
 <file path=ppt/presentation.xml><?xml version="1.0" encoding="utf-8"?>
-<p:presentation xmlns:a="http://schemas.openxmlformats.org/drawingml/2006/main" xmlns:r="http://schemas.openxmlformats.org/officeDocument/2006/relationships" xmlns:p="http://schemas.openxmlformats.org/presentationml/2006/main" saveSubsetFonts="1" embedTrueTypeFonts="true">
+<p:presentation xmlns:a="http://schemas.openxmlformats.org/drawingml/2006/main" xmlns:r="http://schemas.openxmlformats.org/officeDocument/2006/relationships" xmlns:p="http://schemas.openxmlformats.org/presentationml/2006/main" embedTrueTypeFonts="1" saveSubsetFonts="1">
   <p:sldMasterIdLst>
     <p:sldMasterId id="2147483648" r:id="rId1"/>
   </p:sldMasterIdLst>
   <p:sldIdLst>
-    <p:sldId id="256" r:id="rId6"/>
-    <p:sldId id="257" r:id="rId7"/>
-    <p:sldId id="258" r:id="rId8"/>
-    <p:sldId id="259" r:id="rId9"/>
-    <p:sldId id="260" r:id="rId10"/>
-    <p:sldId id="261" r:id="rId11"/>
-    <p:sldId id="262" r:id="rId12"/>
-    <p:sldId id="263" r:id="rId13"/>
-    <p:sldId id="264" r:id="rId14"/>
-    <p:sldId id="265" r:id="rId15"/>
-    <p:sldId id="266" r:id="rId16"/>
+    <p:sldId id="256" r:id="rId2"/>
+    <p:sldId id="257" r:id="rId3"/>
+    <p:sldId id="258" r:id="rId4"/>
+    <p:sldId id="259" r:id="rId5"/>
+    <p:sldId id="260" r:id="rId6"/>
+    <p:sldId id="261" r:id="rId7"/>
+    <p:sldId id="262" r:id="rId8"/>
+    <p:sldId id="263" r:id="rId9"/>
+    <p:sldId id="264" r:id="rId10"/>
+    <p:sldId id="265" r:id="rId11"/>
+    <p:sldId id="266" r:id="rId12"/>
   </p:sldIdLst>
   <p:sldSz cx="18288000" cy="10287000"/>
   <p:notesSz cx="6858000" cy="9144000"/>
   <p:embeddedFontLst>
     <p:embeddedFont>
-      <p:font typeface="TT Octosquares Compressed" charset="1" panose="02010001040000080307"/>
-      <p:regular r:id="rId17"/>
+      <p:font typeface="Canva Sans" panose="020B0604020202020204" charset="0"/>
+      <p:regular r:id="rId13"/>
     </p:embeddedFont>
     <p:embeddedFont>
-      <p:font typeface="Canva Sans" charset="1" panose="020B0503030501040103"/>
-      <p:regular r:id="rId18"/>
+      <p:font typeface="TT Octosquares Compressed" panose="020B0604020202020204" charset="0"/>
+      <p:regular r:id="rId14"/>
     </p:embeddedFont>
   </p:embeddedFontLst>
   <p:defaultTextStyle>
@@ -124,6 +124,22 @@
       </a:defRPr>
     </a:lvl9pPr>
   </p:defaultTextStyle>
+  <p:extLst>
+    <p:ext uri="{EFAFB233-063F-42B5-8137-9DF3F51BA10A}">
+      <p15:sldGuideLst xmlns:p15="http://schemas.microsoft.com/office/powerpoint/2012/main">
+        <p15:guide id="1" orient="horz" pos="2160">
+          <p15:clr>
+            <a:srgbClr val="A4A3A4"/>
+          </p15:clr>
+        </p15:guide>
+        <p15:guide id="2" pos="2880">
+          <p15:clr>
+            <a:srgbClr val="A4A3A4"/>
+          </p15:clr>
+        </p15:guide>
+      </p15:sldGuideLst>
+    </p:ext>
+  </p:extLst>
 </p:presentation>
 </file>
 
@@ -165,10 +181,9 @@
           <a:lstStyle/>
           <a:p>
             <a:r>
-              <a:rPr lang="en-US" smtClean="0"/>
+              <a:rPr lang="en-US"/>
               <a:t>Click to edit Master title style</a:t>
             </a:r>
-            <a:endParaRPr lang="en-US"/>
           </a:p>
         </p:txBody>
       </p:sp>
@@ -284,10 +299,9 @@
           </a:lstStyle>
           <a:p>
             <a:r>
-              <a:rPr lang="en-US" smtClean="0"/>
+              <a:rPr lang="en-US"/>
               <a:t>Click to edit Master subtitle style</a:t>
             </a:r>
-            <a:endParaRPr lang="en-US"/>
           </a:p>
         </p:txBody>
       </p:sp>
@@ -309,7 +323,7 @@
             <a:fld id="{1D8BD707-D9CF-40AE-B4C6-C98DA3205C09}" type="datetimeFigureOut">
               <a:rPr lang="en-US" smtClean="0"/>
               <a:pPr/>
-              <a:t>8/1/2011</a:t>
+              <a:t>5/22/2024</a:t>
             </a:fld>
             <a:endParaRPr lang="en-US"/>
           </a:p>
@@ -399,10 +413,9 @@
           <a:lstStyle/>
           <a:p>
             <a:r>
-              <a:rPr lang="en-US" smtClean="0"/>
+              <a:rPr lang="en-US"/>
               <a:t>Click to edit Master title style</a:t>
             </a:r>
-            <a:endParaRPr lang="en-US"/>
           </a:p>
         </p:txBody>
       </p:sp>
@@ -423,38 +436,37 @@
           <a:p>
             <a:pPr lvl="0"/>
             <a:r>
-              <a:rPr lang="en-US" smtClean="0"/>
+              <a:rPr lang="en-US"/>
               <a:t>Click to edit Master text styles</a:t>
             </a:r>
           </a:p>
           <a:p>
             <a:pPr lvl="1"/>
             <a:r>
-              <a:rPr lang="en-US" smtClean="0"/>
+              <a:rPr lang="en-US"/>
               <a:t>Second level</a:t>
             </a:r>
           </a:p>
           <a:p>
             <a:pPr lvl="2"/>
             <a:r>
-              <a:rPr lang="en-US" smtClean="0"/>
+              <a:rPr lang="en-US"/>
               <a:t>Third level</a:t>
             </a:r>
           </a:p>
           <a:p>
             <a:pPr lvl="3"/>
             <a:r>
-              <a:rPr lang="en-US" smtClean="0"/>
+              <a:rPr lang="en-US"/>
               <a:t>Fourth level</a:t>
             </a:r>
           </a:p>
           <a:p>
             <a:pPr lvl="4"/>
             <a:r>
-              <a:rPr lang="en-US" smtClean="0"/>
+              <a:rPr lang="en-US"/>
               <a:t>Fifth level</a:t>
             </a:r>
-            <a:endParaRPr lang="en-US"/>
           </a:p>
         </p:txBody>
       </p:sp>
@@ -476,7 +488,7 @@
             <a:fld id="{1D8BD707-D9CF-40AE-B4C6-C98DA3205C09}" type="datetimeFigureOut">
               <a:rPr lang="en-US" smtClean="0"/>
               <a:pPr/>
-              <a:t>8/1/2011</a:t>
+              <a:t>5/22/2024</a:t>
             </a:fld>
             <a:endParaRPr lang="en-US"/>
           </a:p>
@@ -571,10 +583,9 @@
           <a:lstStyle/>
           <a:p>
             <a:r>
-              <a:rPr lang="en-US" smtClean="0"/>
+              <a:rPr lang="en-US"/>
               <a:t>Click to edit Master title style</a:t>
             </a:r>
-            <a:endParaRPr lang="en-US"/>
           </a:p>
         </p:txBody>
       </p:sp>
@@ -600,38 +611,37 @@
           <a:p>
             <a:pPr lvl="0"/>
             <a:r>
-              <a:rPr lang="en-US" smtClean="0"/>
+              <a:rPr lang="en-US"/>
               <a:t>Click to edit Master text styles</a:t>
             </a:r>
           </a:p>
           <a:p>
             <a:pPr lvl="1"/>
             <a:r>
-              <a:rPr lang="en-US" smtClean="0"/>
+              <a:rPr lang="en-US"/>
               <a:t>Second level</a:t>
             </a:r>
           </a:p>
           <a:p>
             <a:pPr lvl="2"/>
             <a:r>
-              <a:rPr lang="en-US" smtClean="0"/>
+              <a:rPr lang="en-US"/>
               <a:t>Third level</a:t>
             </a:r>
           </a:p>
           <a:p>
             <a:pPr lvl="3"/>
             <a:r>
-              <a:rPr lang="en-US" smtClean="0"/>
+              <a:rPr lang="en-US"/>
               <a:t>Fourth level</a:t>
             </a:r>
           </a:p>
           <a:p>
             <a:pPr lvl="4"/>
             <a:r>
-              <a:rPr lang="en-US" smtClean="0"/>
+              <a:rPr lang="en-US"/>
               <a:t>Fifth level</a:t>
             </a:r>
-            <a:endParaRPr lang="en-US"/>
           </a:p>
         </p:txBody>
       </p:sp>
@@ -653,7 +663,7 @@
             <a:fld id="{1D8BD707-D9CF-40AE-B4C6-C98DA3205C09}" type="datetimeFigureOut">
               <a:rPr lang="en-US" smtClean="0"/>
               <a:pPr/>
-              <a:t>8/1/2011</a:t>
+              <a:t>5/22/2024</a:t>
             </a:fld>
             <a:endParaRPr lang="en-US"/>
           </a:p>
@@ -743,10 +753,9 @@
           <a:lstStyle/>
           <a:p>
             <a:r>
-              <a:rPr lang="en-US" smtClean="0"/>
+              <a:rPr lang="en-US"/>
               <a:t>Click to edit Master title style</a:t>
             </a:r>
-            <a:endParaRPr lang="en-US"/>
           </a:p>
         </p:txBody>
       </p:sp>
@@ -767,38 +776,37 @@
           <a:p>
             <a:pPr lvl="0"/>
             <a:r>
-              <a:rPr lang="en-US" smtClean="0"/>
+              <a:rPr lang="en-US"/>
               <a:t>Click to edit Master text styles</a:t>
             </a:r>
           </a:p>
           <a:p>
             <a:pPr lvl="1"/>
             <a:r>
-              <a:rPr lang="en-US" smtClean="0"/>
+              <a:rPr lang="en-US"/>
               <a:t>Second level</a:t>
             </a:r>
           </a:p>
           <a:p>
             <a:pPr lvl="2"/>
             <a:r>
-              <a:rPr lang="en-US" smtClean="0"/>
+              <a:rPr lang="en-US"/>
               <a:t>Third level</a:t>
             </a:r>
           </a:p>
           <a:p>
             <a:pPr lvl="3"/>
             <a:r>
-              <a:rPr lang="en-US" smtClean="0"/>
+              <a:rPr lang="en-US"/>
               <a:t>Fourth level</a:t>
             </a:r>
           </a:p>
           <a:p>
             <a:pPr lvl="4"/>
             <a:r>
-              <a:rPr lang="en-US" smtClean="0"/>
+              <a:rPr lang="en-US"/>
               <a:t>Fifth level</a:t>
             </a:r>
-            <a:endParaRPr lang="en-US"/>
           </a:p>
         </p:txBody>
       </p:sp>
@@ -820,7 +828,7 @@
             <a:fld id="{1D8BD707-D9CF-40AE-B4C6-C98DA3205C09}" type="datetimeFigureOut">
               <a:rPr lang="en-US" smtClean="0"/>
               <a:pPr/>
-              <a:t>8/1/2011</a:t>
+              <a:t>5/22/2024</a:t>
             </a:fld>
             <a:endParaRPr lang="en-US"/>
           </a:p>
@@ -919,10 +927,9 @@
           </a:lstStyle>
           <a:p>
             <a:r>
-              <a:rPr lang="en-US" smtClean="0"/>
+              <a:rPr lang="en-US"/>
               <a:t>Click to edit Master title style</a:t>
             </a:r>
-            <a:endParaRPr lang="en-US"/>
           </a:p>
         </p:txBody>
       </p:sp>
@@ -1039,7 +1046,7 @@
           <a:p>
             <a:pPr lvl="0"/>
             <a:r>
-              <a:rPr lang="en-US" smtClean="0"/>
+              <a:rPr lang="en-US"/>
               <a:t>Click to edit Master text styles</a:t>
             </a:r>
           </a:p>
@@ -1063,7 +1070,7 @@
             <a:fld id="{1D8BD707-D9CF-40AE-B4C6-C98DA3205C09}" type="datetimeFigureOut">
               <a:rPr lang="en-US" smtClean="0"/>
               <a:pPr/>
-              <a:t>8/1/2011</a:t>
+              <a:t>5/22/2024</a:t>
             </a:fld>
             <a:endParaRPr lang="en-US"/>
           </a:p>
@@ -1153,10 +1160,9 @@
           <a:lstStyle/>
           <a:p>
             <a:r>
-              <a:rPr lang="en-US" smtClean="0"/>
+              <a:rPr lang="en-US"/>
               <a:t>Click to edit Master title style</a:t>
             </a:r>
-            <a:endParaRPr lang="en-US"/>
           </a:p>
         </p:txBody>
       </p:sp>
@@ -1210,38 +1216,37 @@
           <a:p>
             <a:pPr lvl="0"/>
             <a:r>
-              <a:rPr lang="en-US" smtClean="0"/>
+              <a:rPr lang="en-US"/>
               <a:t>Click to edit Master text styles</a:t>
             </a:r>
           </a:p>
           <a:p>
             <a:pPr lvl="1"/>
             <a:r>
-              <a:rPr lang="en-US" smtClean="0"/>
+              <a:rPr lang="en-US"/>
               <a:t>Second level</a:t>
             </a:r>
           </a:p>
           <a:p>
             <a:pPr lvl="2"/>
             <a:r>
-              <a:rPr lang="en-US" smtClean="0"/>
+              <a:rPr lang="en-US"/>
               <a:t>Third level</a:t>
             </a:r>
           </a:p>
           <a:p>
             <a:pPr lvl="3"/>
             <a:r>
-              <a:rPr lang="en-US" smtClean="0"/>
+              <a:rPr lang="en-US"/>
               <a:t>Fourth level</a:t>
             </a:r>
           </a:p>
           <a:p>
             <a:pPr lvl="4"/>
             <a:r>
-              <a:rPr lang="en-US" smtClean="0"/>
+              <a:rPr lang="en-US"/>
               <a:t>Fifth level</a:t>
             </a:r>
-            <a:endParaRPr lang="en-US"/>
           </a:p>
         </p:txBody>
       </p:sp>
@@ -1295,38 +1300,37 @@
           <a:p>
             <a:pPr lvl="0"/>
             <a:r>
-              <a:rPr lang="en-US" smtClean="0"/>
+              <a:rPr lang="en-US"/>
               <a:t>Click to edit Master text styles</a:t>
             </a:r>
           </a:p>
           <a:p>
             <a:pPr lvl="1"/>
             <a:r>
-              <a:rPr lang="en-US" smtClean="0"/>
+              <a:rPr lang="en-US"/>
               <a:t>Second level</a:t>
             </a:r>
           </a:p>
           <a:p>
             <a:pPr lvl="2"/>
             <a:r>
-              <a:rPr lang="en-US" smtClean="0"/>
+              <a:rPr lang="en-US"/>
               <a:t>Third level</a:t>
             </a:r>
           </a:p>
           <a:p>
             <a:pPr lvl="3"/>
             <a:r>
-              <a:rPr lang="en-US" smtClean="0"/>
+              <a:rPr lang="en-US"/>
               <a:t>Fourth level</a:t>
             </a:r>
           </a:p>
           <a:p>
             <a:pPr lvl="4"/>
             <a:r>
-              <a:rPr lang="en-US" smtClean="0"/>
+              <a:rPr lang="en-US"/>
               <a:t>Fifth level</a:t>
             </a:r>
-            <a:endParaRPr lang="en-US"/>
           </a:p>
         </p:txBody>
       </p:sp>
@@ -1348,7 +1352,7 @@
             <a:fld id="{1D8BD707-D9CF-40AE-B4C6-C98DA3205C09}" type="datetimeFigureOut">
               <a:rPr lang="en-US" smtClean="0"/>
               <a:pPr/>
-              <a:t>8/1/2011</a:t>
+              <a:t>5/22/2024</a:t>
             </a:fld>
             <a:endParaRPr lang="en-US"/>
           </a:p>
@@ -1442,10 +1446,9 @@
           </a:lstStyle>
           <a:p>
             <a:r>
-              <a:rPr lang="en-US" smtClean="0"/>
+              <a:rPr lang="en-US"/>
               <a:t>Click to edit Master title style</a:t>
             </a:r>
-            <a:endParaRPr lang="en-US"/>
           </a:p>
         </p:txBody>
       </p:sp>
@@ -1508,7 +1511,7 @@
           <a:p>
             <a:pPr lvl="0"/>
             <a:r>
-              <a:rPr lang="en-US" smtClean="0"/>
+              <a:rPr lang="en-US"/>
               <a:t>Click to edit Master text styles</a:t>
             </a:r>
           </a:p>
@@ -1564,38 +1567,37 @@
           <a:p>
             <a:pPr lvl="0"/>
             <a:r>
-              <a:rPr lang="en-US" smtClean="0"/>
+              <a:rPr lang="en-US"/>
               <a:t>Click to edit Master text styles</a:t>
             </a:r>
           </a:p>
           <a:p>
             <a:pPr lvl="1"/>
             <a:r>
-              <a:rPr lang="en-US" smtClean="0"/>
+              <a:rPr lang="en-US"/>
               <a:t>Second level</a:t>
             </a:r>
           </a:p>
           <a:p>
             <a:pPr lvl="2"/>
             <a:r>
-              <a:rPr lang="en-US" smtClean="0"/>
+              <a:rPr lang="en-US"/>
               <a:t>Third level</a:t>
             </a:r>
           </a:p>
           <a:p>
             <a:pPr lvl="3"/>
             <a:r>
-              <a:rPr lang="en-US" smtClean="0"/>
+              <a:rPr lang="en-US"/>
               <a:t>Fourth level</a:t>
             </a:r>
           </a:p>
           <a:p>
             <a:pPr lvl="4"/>
             <a:r>
-              <a:rPr lang="en-US" smtClean="0"/>
+              <a:rPr lang="en-US"/>
               <a:t>Fifth level</a:t>
             </a:r>
-            <a:endParaRPr lang="en-US"/>
           </a:p>
         </p:txBody>
       </p:sp>
@@ -1658,7 +1660,7 @@
           <a:p>
             <a:pPr lvl="0"/>
             <a:r>
-              <a:rPr lang="en-US" smtClean="0"/>
+              <a:rPr lang="en-US"/>
               <a:t>Click to edit Master text styles</a:t>
             </a:r>
           </a:p>
@@ -1714,38 +1716,37 @@
           <a:p>
             <a:pPr lvl="0"/>
             <a:r>
-              <a:rPr lang="en-US" smtClean="0"/>
+              <a:rPr lang="en-US"/>
               <a:t>Click to edit Master text styles</a:t>
             </a:r>
           </a:p>
           <a:p>
             <a:pPr lvl="1"/>
             <a:r>
-              <a:rPr lang="en-US" smtClean="0"/>
+              <a:rPr lang="en-US"/>
               <a:t>Second level</a:t>
             </a:r>
           </a:p>
           <a:p>
             <a:pPr lvl="2"/>
             <a:r>
-              <a:rPr lang="en-US" smtClean="0"/>
+              <a:rPr lang="en-US"/>
               <a:t>Third level</a:t>
             </a:r>
           </a:p>
           <a:p>
             <a:pPr lvl="3"/>
             <a:r>
-              <a:rPr lang="en-US" smtClean="0"/>
+              <a:rPr lang="en-US"/>
               <a:t>Fourth level</a:t>
             </a:r>
           </a:p>
           <a:p>
             <a:pPr lvl="4"/>
             <a:r>
-              <a:rPr lang="en-US" smtClean="0"/>
+              <a:rPr lang="en-US"/>
               <a:t>Fifth level</a:t>
             </a:r>
-            <a:endParaRPr lang="en-US"/>
           </a:p>
         </p:txBody>
       </p:sp>
@@ -1767,7 +1768,7 @@
             <a:fld id="{1D8BD707-D9CF-40AE-B4C6-C98DA3205C09}" type="datetimeFigureOut">
               <a:rPr lang="en-US" smtClean="0"/>
               <a:pPr/>
-              <a:t>8/1/2011</a:t>
+              <a:t>5/22/2024</a:t>
             </a:fld>
             <a:endParaRPr lang="en-US"/>
           </a:p>
@@ -1857,10 +1858,9 @@
           <a:lstStyle/>
           <a:p>
             <a:r>
-              <a:rPr lang="en-US" smtClean="0"/>
+              <a:rPr lang="en-US"/>
               <a:t>Click to edit Master title style</a:t>
             </a:r>
-            <a:endParaRPr lang="en-US"/>
           </a:p>
         </p:txBody>
       </p:sp>
@@ -1882,7 +1882,7 @@
             <a:fld id="{1D8BD707-D9CF-40AE-B4C6-C98DA3205C09}" type="datetimeFigureOut">
               <a:rPr lang="en-US" smtClean="0"/>
               <a:pPr/>
-              <a:t>8/1/2011</a:t>
+              <a:t>5/22/2024</a:t>
             </a:fld>
             <a:endParaRPr lang="en-US"/>
           </a:p>
@@ -1974,7 +1974,7 @@
             <a:fld id="{1D8BD707-D9CF-40AE-B4C6-C98DA3205C09}" type="datetimeFigureOut">
               <a:rPr lang="en-US" smtClean="0"/>
               <a:pPr/>
-              <a:t>8/1/2011</a:t>
+              <a:t>5/22/2024</a:t>
             </a:fld>
             <a:endParaRPr lang="en-US"/>
           </a:p>
@@ -2073,10 +2073,9 @@
           </a:lstStyle>
           <a:p>
             <a:r>
-              <a:rPr lang="en-US" smtClean="0"/>
+              <a:rPr lang="en-US"/>
               <a:t>Click to edit Master title style</a:t>
             </a:r>
-            <a:endParaRPr lang="en-US"/>
           </a:p>
         </p:txBody>
       </p:sp>
@@ -2130,38 +2129,37 @@
           <a:p>
             <a:pPr lvl="0"/>
             <a:r>
-              <a:rPr lang="en-US" smtClean="0"/>
+              <a:rPr lang="en-US"/>
               <a:t>Click to edit Master text styles</a:t>
             </a:r>
           </a:p>
           <a:p>
             <a:pPr lvl="1"/>
             <a:r>
-              <a:rPr lang="en-US" smtClean="0"/>
+              <a:rPr lang="en-US"/>
               <a:t>Second level</a:t>
             </a:r>
           </a:p>
           <a:p>
             <a:pPr lvl="2"/>
             <a:r>
-              <a:rPr lang="en-US" smtClean="0"/>
+              <a:rPr lang="en-US"/>
               <a:t>Third level</a:t>
             </a:r>
           </a:p>
           <a:p>
             <a:pPr lvl="3"/>
             <a:r>
-              <a:rPr lang="en-US" smtClean="0"/>
+              <a:rPr lang="en-US"/>
               <a:t>Fourth level</a:t>
             </a:r>
           </a:p>
           <a:p>
             <a:pPr lvl="4"/>
             <a:r>
-              <a:rPr lang="en-US" smtClean="0"/>
+              <a:rPr lang="en-US"/>
               <a:t>Fifth level</a:t>
             </a:r>
-            <a:endParaRPr lang="en-US"/>
           </a:p>
         </p:txBody>
       </p:sp>
@@ -2224,7 +2222,7 @@
           <a:p>
             <a:pPr lvl="0"/>
             <a:r>
-              <a:rPr lang="en-US" smtClean="0"/>
+              <a:rPr lang="en-US"/>
               <a:t>Click to edit Master text styles</a:t>
             </a:r>
           </a:p>
@@ -2248,7 +2246,7 @@
             <a:fld id="{1D8BD707-D9CF-40AE-B4C6-C98DA3205C09}" type="datetimeFigureOut">
               <a:rPr lang="en-US" smtClean="0"/>
               <a:pPr/>
-              <a:t>8/1/2011</a:t>
+              <a:t>5/22/2024</a:t>
             </a:fld>
             <a:endParaRPr lang="en-US"/>
           </a:p>
@@ -2347,10 +2345,9 @@
           </a:lstStyle>
           <a:p>
             <a:r>
-              <a:rPr lang="en-US" smtClean="0"/>
+              <a:rPr lang="en-US"/>
               <a:t>Click to edit Master title style</a:t>
             </a:r>
-            <a:endParaRPr lang="en-US"/>
           </a:p>
         </p:txBody>
       </p:sp>
@@ -2474,7 +2471,7 @@
           <a:p>
             <a:pPr lvl="0"/>
             <a:r>
-              <a:rPr lang="en-US" smtClean="0"/>
+              <a:rPr lang="en-US"/>
               <a:t>Click to edit Master text styles</a:t>
             </a:r>
           </a:p>
@@ -2498,7 +2495,7 @@
             <a:fld id="{1D8BD707-D9CF-40AE-B4C6-C98DA3205C09}" type="datetimeFigureOut">
               <a:rPr lang="en-US" smtClean="0"/>
               <a:pPr/>
-              <a:t>8/1/2011</a:t>
+              <a:t>5/22/2024</a:t>
             </a:fld>
             <a:endParaRPr lang="en-US"/>
           </a:p>
@@ -2603,10 +2600,9 @@
           <a:lstStyle/>
           <a:p>
             <a:r>
-              <a:rPr lang="en-US" smtClean="0"/>
+              <a:rPr lang="en-US"/>
               <a:t>Click to edit Master title style</a:t>
             </a:r>
-            <a:endParaRPr lang="en-US"/>
           </a:p>
         </p:txBody>
       </p:sp>
@@ -2637,38 +2633,37 @@
           <a:p>
             <a:pPr lvl="0"/>
             <a:r>
-              <a:rPr lang="en-US" smtClean="0"/>
+              <a:rPr lang="en-US"/>
               <a:t>Click to edit Master text styles</a:t>
             </a:r>
           </a:p>
           <a:p>
             <a:pPr lvl="1"/>
             <a:r>
-              <a:rPr lang="en-US" smtClean="0"/>
+              <a:rPr lang="en-US"/>
               <a:t>Second level</a:t>
             </a:r>
           </a:p>
           <a:p>
             <a:pPr lvl="2"/>
             <a:r>
-              <a:rPr lang="en-US" smtClean="0"/>
+              <a:rPr lang="en-US"/>
               <a:t>Third level</a:t>
             </a:r>
           </a:p>
           <a:p>
             <a:pPr lvl="3"/>
             <a:r>
-              <a:rPr lang="en-US" smtClean="0"/>
+              <a:rPr lang="en-US"/>
               <a:t>Fourth level</a:t>
             </a:r>
           </a:p>
           <a:p>
             <a:pPr lvl="4"/>
             <a:r>
-              <a:rPr lang="en-US" smtClean="0"/>
+              <a:rPr lang="en-US"/>
               <a:t>Fifth level</a:t>
             </a:r>
-            <a:endParaRPr lang="en-US"/>
           </a:p>
         </p:txBody>
       </p:sp>
@@ -2708,7 +2703,7 @@
             <a:fld id="{1D8BD707-D9CF-40AE-B4C6-C98DA3205C09}" type="datetimeFigureOut">
               <a:rPr lang="en-US" smtClean="0"/>
               <a:pPr/>
-              <a:t>8/1/2011</a:t>
+              <a:t>5/22/2024</a:t>
             </a:fld>
             <a:endParaRPr lang="en-US"/>
           </a:p>
@@ -3063,7 +3058,7 @@
 </file>
 
 <file path=ppt/slides/slide1.xml><?xml version="1.0" encoding="utf-8"?>
-<p:sld xmlns:p="http://schemas.openxmlformats.org/presentationml/2006/main" xmlns:a="http://schemas.openxmlformats.org/drawingml/2006/main" xmlns:r="http://schemas.openxmlformats.org/officeDocument/2006/relationships">
+<p:sld xmlns:a="http://schemas.openxmlformats.org/drawingml/2006/main" xmlns:r="http://schemas.openxmlformats.org/officeDocument/2006/relationships" xmlns:p="http://schemas.openxmlformats.org/presentationml/2006/main">
   <p:cSld>
     <p:spTree>
       <p:nvGrpSpPr>
@@ -3081,12 +3076,12 @@
       </p:grpSpPr>
       <p:sp>
         <p:nvSpPr>
-          <p:cNvPr name="Freeform 2" id="2"/>
+          <p:cNvPr id="2" name="Freeform 2"/>
           <p:cNvSpPr/>
           <p:nvPr/>
         </p:nvSpPr>
         <p:spPr>
-          <a:xfrm flipH="false" flipV="false" rot="0">
+          <a:xfrm>
             <a:off x="0" y="0"/>
             <a:ext cx="18288000" cy="10287000"/>
           </a:xfrm>
@@ -3095,9 +3090,9 @@
             <a:gdLst/>
             <a:ahLst/>
             <a:cxnLst/>
-            <a:rect r="r" b="b" t="t" l="l"/>
+            <a:rect l="l" t="t" r="r" b="b"/>
             <a:pathLst>
-              <a:path h="10287000" w="18288000">
+              <a:path w="18288000" h="10287000">
                 <a:moveTo>
                   <a:pt x="0" y="0"/>
                 </a:moveTo>
@@ -3120,14 +3115,14 @@
           <a:blipFill>
             <a:blip r:embed="rId2"/>
             <a:stretch>
-              <a:fillRect l="0" t="-38888" r="0" b="-38888"/>
+              <a:fillRect t="-38888" b="-38888"/>
             </a:stretch>
           </a:blipFill>
         </p:spPr>
       </p:sp>
       <p:grpSp>
         <p:nvGrpSpPr>
-          <p:cNvPr name="Group 3" id="3"/>
+          <p:cNvPr id="3" name="Group 3"/>
           <p:cNvGrpSpPr/>
           <p:nvPr/>
         </p:nvGrpSpPr>
@@ -3141,12 +3136,12 @@
         </p:grpSpPr>
         <p:sp>
           <p:nvSpPr>
-            <p:cNvPr name="Freeform 4" id="4"/>
+            <p:cNvPr id="4" name="Freeform 4"/>
             <p:cNvSpPr/>
             <p:nvPr/>
           </p:nvSpPr>
           <p:spPr>
-            <a:xfrm flipH="false" flipV="false" rot="0">
+            <a:xfrm>
               <a:off x="0" y="0"/>
               <a:ext cx="1347239" cy="579341"/>
             </a:xfrm>
@@ -3155,9 +3150,9 @@
               <a:gdLst/>
               <a:ahLst/>
               <a:cxnLst/>
-              <a:rect r="r" b="b" t="t" l="l"/>
+              <a:rect l="l" t="t" r="r" b="b"/>
               <a:pathLst>
-                <a:path h="579341" w="1347239">
+                <a:path w="1347239" h="579341">
                   <a:moveTo>
                     <a:pt x="673619" y="0"/>
                   </a:moveTo>
@@ -3181,8 +3176,8 @@
         </p:sp>
         <p:sp>
           <p:nvSpPr>
-            <p:cNvPr name="TextBox 5" id="5"/>
-            <p:cNvSpPr txBox="true"/>
+            <p:cNvPr id="5" name="TextBox 5"/>
+            <p:cNvSpPr txBox="1"/>
             <p:nvPr/>
           </p:nvSpPr>
           <p:spPr>
@@ -3195,7 +3190,7 @@
             </a:prstGeom>
           </p:spPr>
           <p:txBody>
-            <a:bodyPr anchor="ctr" rtlCol="false" tIns="50800" lIns="50800" bIns="50800" rIns="50800"/>
+            <a:bodyPr lIns="50800" tIns="50800" rIns="50800" bIns="50800" rtlCol="0" anchor="ctr"/>
             <a:lstStyle/>
             <a:p>
               <a:pPr algn="ctr">
@@ -3206,18 +3201,19 @@
                   <a:spcPct val="0"/>
                 </a:spcBef>
               </a:pPr>
+              <a:endParaRPr/>
             </a:p>
           </p:txBody>
         </p:sp>
       </p:grpSp>
       <p:sp>
         <p:nvSpPr>
-          <p:cNvPr name="Freeform 6" id="6"/>
+          <p:cNvPr id="6" name="Freeform 6"/>
           <p:cNvSpPr/>
           <p:nvPr/>
         </p:nvSpPr>
         <p:spPr>
-          <a:xfrm flipH="false" flipV="false" rot="0">
+          <a:xfrm>
             <a:off x="2482005" y="2273723"/>
             <a:ext cx="1218296" cy="1907312"/>
           </a:xfrm>
@@ -3226,9 +3222,9 @@
             <a:gdLst/>
             <a:ahLst/>
             <a:cxnLst/>
-            <a:rect r="r" b="b" t="t" l="l"/>
+            <a:rect l="l" t="t" r="r" b="b"/>
             <a:pathLst>
-              <a:path h="1907312" w="1218296">
+              <a:path w="1218296" h="1907312">
                 <a:moveTo>
                   <a:pt x="0" y="0"/>
                 </a:moveTo>
@@ -3257,19 +3253,19 @@
               </a:extLst>
             </a:blip>
             <a:stretch>
-              <a:fillRect l="0" t="0" r="0" b="0"/>
+              <a:fillRect/>
             </a:stretch>
           </a:blipFill>
         </p:spPr>
       </p:sp>
       <p:sp>
         <p:nvSpPr>
-          <p:cNvPr name="TextBox 7" id="7"/>
-          <p:cNvSpPr txBox="true"/>
+          <p:cNvPr id="7" name="TextBox 7"/>
+          <p:cNvSpPr txBox="1"/>
           <p:nvPr/>
         </p:nvSpPr>
         <p:spPr>
-          <a:xfrm rot="0">
+          <a:xfrm>
             <a:off x="3700301" y="1663699"/>
             <a:ext cx="10164638" cy="3020053"/>
           </a:xfrm>
@@ -3278,7 +3274,7 @@
           </a:prstGeom>
         </p:spPr>
         <p:txBody>
-          <a:bodyPr anchor="t" rtlCol="false" tIns="0" lIns="0" bIns="0" rIns="0">
+          <a:bodyPr lIns="0" tIns="0" rIns="0" bIns="0" rtlCol="0" anchor="t">
             <a:spAutoFit/>
           </a:bodyPr>
           <a:lstStyle/>
@@ -3321,12 +3317,12 @@
       </p:sp>
       <p:sp>
         <p:nvSpPr>
-          <p:cNvPr name="Freeform 8" id="8"/>
+          <p:cNvPr id="8" name="Freeform 8"/>
           <p:cNvSpPr/>
           <p:nvPr/>
         </p:nvSpPr>
         <p:spPr>
-          <a:xfrm flipH="false" flipV="false" rot="0">
+          <a:xfrm>
             <a:off x="1744140" y="2555164"/>
             <a:ext cx="858754" cy="1344429"/>
           </a:xfrm>
@@ -3335,9 +3331,9 @@
             <a:gdLst/>
             <a:ahLst/>
             <a:cxnLst/>
-            <a:rect r="r" b="b" t="t" l="l"/>
+            <a:rect l="l" t="t" r="r" b="b"/>
             <a:pathLst>
-              <a:path h="1344429" w="858754">
+              <a:path w="858754" h="1344429">
                 <a:moveTo>
                   <a:pt x="0" y="0"/>
                 </a:moveTo>
@@ -3366,19 +3362,19 @@
               </a:extLst>
             </a:blip>
             <a:stretch>
-              <a:fillRect l="0" t="0" r="0" b="0"/>
+              <a:fillRect/>
             </a:stretch>
           </a:blipFill>
         </p:spPr>
       </p:sp>
       <p:sp>
         <p:nvSpPr>
-          <p:cNvPr name="Freeform 9" id="9"/>
+          <p:cNvPr id="9" name="Freeform 9"/>
           <p:cNvSpPr/>
           <p:nvPr/>
         </p:nvSpPr>
         <p:spPr>
-          <a:xfrm flipH="false" flipV="false" rot="0">
+          <a:xfrm>
             <a:off x="1028700" y="2734452"/>
             <a:ext cx="629715" cy="985855"/>
           </a:xfrm>
@@ -3387,9 +3383,9 @@
             <a:gdLst/>
             <a:ahLst/>
             <a:cxnLst/>
-            <a:rect r="r" b="b" t="t" l="l"/>
+            <a:rect l="l" t="t" r="r" b="b"/>
             <a:pathLst>
-              <a:path h="985855" w="629715">
+              <a:path w="629715" h="985855">
                 <a:moveTo>
                   <a:pt x="0" y="0"/>
                 </a:moveTo>
@@ -3418,19 +3414,19 @@
               </a:extLst>
             </a:blip>
             <a:stretch>
-              <a:fillRect l="0" t="0" r="0" b="0"/>
+              <a:fillRect/>
             </a:stretch>
           </a:blipFill>
         </p:spPr>
       </p:sp>
       <p:sp>
         <p:nvSpPr>
-          <p:cNvPr name="Freeform 10" id="10"/>
+          <p:cNvPr id="10" name="Freeform 10"/>
           <p:cNvSpPr/>
           <p:nvPr/>
         </p:nvSpPr>
         <p:spPr>
-          <a:xfrm flipH="false" flipV="false" rot="-10800000">
+          <a:xfrm rot="-10800000">
             <a:off x="13864938" y="2273723"/>
             <a:ext cx="1218296" cy="1907312"/>
           </a:xfrm>
@@ -3439,9 +3435,9 @@
             <a:gdLst/>
             <a:ahLst/>
             <a:cxnLst/>
-            <a:rect r="r" b="b" t="t" l="l"/>
+            <a:rect l="l" t="t" r="r" b="b"/>
             <a:pathLst>
-              <a:path h="1907312" w="1218296">
+              <a:path w="1218296" h="1907312">
                 <a:moveTo>
                   <a:pt x="0" y="0"/>
                 </a:moveTo>
@@ -3470,19 +3466,19 @@
               </a:extLst>
             </a:blip>
             <a:stretch>
-              <a:fillRect l="0" t="0" r="0" b="0"/>
+              <a:fillRect/>
             </a:stretch>
           </a:blipFill>
         </p:spPr>
       </p:sp>
       <p:sp>
         <p:nvSpPr>
-          <p:cNvPr name="Freeform 11" id="11"/>
+          <p:cNvPr id="11" name="Freeform 11"/>
           <p:cNvSpPr/>
           <p:nvPr/>
         </p:nvSpPr>
         <p:spPr>
-          <a:xfrm flipH="false" flipV="false" rot="-10800000">
+          <a:xfrm rot="-10800000">
             <a:off x="14962345" y="2555164"/>
             <a:ext cx="858754" cy="1344429"/>
           </a:xfrm>
@@ -3491,9 +3487,9 @@
             <a:gdLst/>
             <a:ahLst/>
             <a:cxnLst/>
-            <a:rect r="r" b="b" t="t" l="l"/>
+            <a:rect l="l" t="t" r="r" b="b"/>
             <a:pathLst>
-              <a:path h="1344429" w="858754">
+              <a:path w="858754" h="1344429">
                 <a:moveTo>
                   <a:pt x="0" y="0"/>
                 </a:moveTo>
@@ -3522,19 +3518,19 @@
               </a:extLst>
             </a:blip>
             <a:stretch>
-              <a:fillRect l="0" t="0" r="0" b="0"/>
+              <a:fillRect/>
             </a:stretch>
           </a:blipFill>
         </p:spPr>
       </p:sp>
       <p:sp>
         <p:nvSpPr>
-          <p:cNvPr name="Freeform 12" id="12"/>
+          <p:cNvPr id="12" name="Freeform 12"/>
           <p:cNvSpPr/>
           <p:nvPr/>
         </p:nvSpPr>
         <p:spPr>
-          <a:xfrm flipH="false" flipV="false" rot="-10800000">
+          <a:xfrm rot="-10800000">
             <a:off x="15906824" y="2734452"/>
             <a:ext cx="629715" cy="985855"/>
           </a:xfrm>
@@ -3543,9 +3539,9 @@
             <a:gdLst/>
             <a:ahLst/>
             <a:cxnLst/>
-            <a:rect r="r" b="b" t="t" l="l"/>
+            <a:rect l="l" t="t" r="r" b="b"/>
             <a:pathLst>
-              <a:path h="985855" w="629715">
+              <a:path w="629715" h="985855">
                 <a:moveTo>
                   <a:pt x="0" y="0"/>
                 </a:moveTo>
@@ -3574,28 +3570,28 @@
               </a:extLst>
             </a:blip>
             <a:stretch>
-              <a:fillRect l="0" t="0" r="0" b="0"/>
+              <a:fillRect/>
             </a:stretch>
           </a:blipFill>
         </p:spPr>
       </p:sp>
       <p:sp>
         <p:nvSpPr>
-          <p:cNvPr name="TextBox 13" id="13"/>
-          <p:cNvSpPr txBox="true"/>
+          <p:cNvPr id="13" name="TextBox 13"/>
+          <p:cNvSpPr txBox="1"/>
           <p:nvPr/>
         </p:nvSpPr>
         <p:spPr>
-          <a:xfrm rot="0">
+          <a:xfrm>
             <a:off x="370640" y="5536308"/>
-            <a:ext cx="8411979" cy="2794000"/>
+            <a:ext cx="16850560" cy="2107308"/>
           </a:xfrm>
           <a:prstGeom prst="rect">
             <a:avLst/>
           </a:prstGeom>
         </p:spPr>
         <p:txBody>
-          <a:bodyPr anchor="t" rtlCol="false" tIns="0" lIns="0" bIns="0" rIns="0">
+          <a:bodyPr wrap="square" lIns="0" tIns="0" rIns="0" bIns="0" rtlCol="0" anchor="t">
             <a:spAutoFit/>
           </a:bodyPr>
           <a:lstStyle/>
@@ -3605,6 +3601,7 @@
                 <a:spcPts val="5599"/>
               </a:lnSpc>
             </a:pPr>
+            <a:endParaRPr dirty="0"/>
           </a:p>
           <a:p>
             <a:pPr algn="ctr">
@@ -3613,38 +3610,31 @@
               </a:lnSpc>
             </a:pPr>
             <a:r>
-              <a:rPr lang="en-US" sz="3999">
+              <a:rPr lang="en-US" sz="3999" dirty="0">
                 <a:solidFill>
                   <a:srgbClr val="FFFFFF"/>
                 </a:solidFill>
                 <a:latin typeface="Canva Sans"/>
               </a:rPr>
-              <a:t>1) Sakthilakshmi M (210701223)</a:t>
-            </a:r>
-          </a:p>
-          <a:p>
-            <a:pPr algn="l">
-              <a:lnSpc>
-                <a:spcPts val="5599"/>
-              </a:lnSpc>
-            </a:pPr>
-            <a:r>
-              <a:rPr lang="en-US" sz="3999">
+              <a:t>1) </a:t>
+            </a:r>
+            <a:r>
+              <a:rPr lang="en-US" sz="3999" dirty="0" err="1">
                 <a:solidFill>
                   <a:srgbClr val="FFFFFF"/>
                 </a:solidFill>
                 <a:latin typeface="Canva Sans"/>
               </a:rPr>
-              <a:t>   </a:t>
-            </a:r>
-            <a:r>
-              <a:rPr lang="en-US" sz="3999">
+              <a:t>Sakthilakshmi</a:t>
+            </a:r>
+            <a:r>
+              <a:rPr lang="en-US" sz="3999" dirty="0">
                 <a:solidFill>
                   <a:srgbClr val="FFFFFF"/>
                 </a:solidFill>
                 <a:latin typeface="Canva Sans"/>
               </a:rPr>
-              <a:t>2) Raveena Sri R (210701210)</a:t>
+              <a:t> M (210701223)</a:t>
             </a:r>
           </a:p>
           <a:p>
@@ -3652,127 +3642,36 @@
               <a:lnSpc>
                 <a:spcPts val="5599"/>
               </a:lnSpc>
-              <a:spcBef>
-                <a:spcPct val="0"/>
-              </a:spcBef>
             </a:pPr>
             <a:r>
-              <a:rPr lang="en-US" sz="3999">
+              <a:rPr lang="en-US" sz="3999" dirty="0">
                 <a:solidFill>
                   <a:srgbClr val="FFFFFF"/>
                 </a:solidFill>
                 <a:latin typeface="Canva Sans"/>
               </a:rPr>
-              <a:t>3) Sam Lawremce V (210701225)</a:t>
+              <a:t>   2) Raveena Sri R (210701210)</a:t>
             </a:r>
           </a:p>
         </p:txBody>
       </p:sp>
       <p:sp>
         <p:nvSpPr>
-          <p:cNvPr name="TextBox 14" id="14"/>
-          <p:cNvSpPr txBox="true"/>
+          <p:cNvPr id="15" name="TextBox 15"/>
+          <p:cNvSpPr txBox="1"/>
           <p:nvPr/>
         </p:nvSpPr>
         <p:spPr>
-          <a:xfrm rot="0">
-            <a:off x="9201745" y="6295767"/>
-            <a:ext cx="8057555" cy="2034541"/>
+          <a:xfrm>
+            <a:off x="5172968" y="5067300"/>
+            <a:ext cx="8057555" cy="662941"/>
           </a:xfrm>
           <a:prstGeom prst="rect">
             <a:avLst/>
           </a:prstGeom>
         </p:spPr>
         <p:txBody>
-          <a:bodyPr anchor="t" rtlCol="false" tIns="0" lIns="0" bIns="0" rIns="0">
-            <a:spAutoFit/>
-          </a:bodyPr>
-          <a:lstStyle/>
-          <a:p>
-            <a:pPr algn="ctr">
-              <a:lnSpc>
-                <a:spcPts val="5459"/>
-              </a:lnSpc>
-              <a:spcBef>
-                <a:spcPct val="0"/>
-              </a:spcBef>
-            </a:pPr>
-            <a:r>
-              <a:rPr lang="en-US" sz="3899">
-                <a:solidFill>
-                  <a:srgbClr val="FFFFFF"/>
-                </a:solidFill>
-                <a:latin typeface="Canva Sans"/>
-              </a:rPr>
-              <a:t>4) Ranjith Kumaran G</a:t>
-            </a:r>
-            <a:r>
-              <a:rPr lang="en-US" sz="3899">
-                <a:solidFill>
-                  <a:srgbClr val="FFFFFF"/>
-                </a:solidFill>
-                <a:latin typeface="Canva Sans"/>
-              </a:rPr>
-              <a:t> (210701207)</a:t>
-            </a:r>
-          </a:p>
-          <a:p>
-            <a:pPr algn="ctr">
-              <a:lnSpc>
-                <a:spcPts val="5459"/>
-              </a:lnSpc>
-              <a:spcBef>
-                <a:spcPct val="0"/>
-              </a:spcBef>
-            </a:pPr>
-            <a:r>
-              <a:rPr lang="en-US" sz="3899">
-                <a:solidFill>
-                  <a:srgbClr val="FFFFFF"/>
-                </a:solidFill>
-                <a:latin typeface="Canva Sans"/>
-              </a:rPr>
-              <a:t>   5) Rachel Sherin J (210701200)</a:t>
-            </a:r>
-          </a:p>
-          <a:p>
-            <a:pPr algn="ctr">
-              <a:lnSpc>
-                <a:spcPts val="5459"/>
-              </a:lnSpc>
-              <a:spcBef>
-                <a:spcPct val="0"/>
-              </a:spcBef>
-            </a:pPr>
-            <a:r>
-              <a:rPr lang="en-US" sz="3899">
-                <a:solidFill>
-                  <a:srgbClr val="FFFFFF"/>
-                </a:solidFill>
-                <a:latin typeface="Canva Sans"/>
-              </a:rPr>
-              <a:t>6) Priscilla Rachel (210701196)</a:t>
-            </a:r>
-          </a:p>
-        </p:txBody>
-      </p:sp>
-      <p:sp>
-        <p:nvSpPr>
-          <p:cNvPr name="TextBox 15" id="15"/>
-          <p:cNvSpPr txBox="true"/>
-          <p:nvPr/>
-        </p:nvSpPr>
-        <p:spPr>
-          <a:xfrm rot="0">
-            <a:off x="5172968" y="5067300"/>
-            <a:ext cx="8057555" cy="662941"/>
-          </a:xfrm>
-          <a:prstGeom prst="rect">
-            <a:avLst/>
-          </a:prstGeom>
-        </p:spPr>
-        <p:txBody>
-          <a:bodyPr anchor="t" rtlCol="false" tIns="0" lIns="0" bIns="0" rIns="0">
+          <a:bodyPr lIns="0" tIns="0" rIns="0" bIns="0" rtlCol="0" anchor="t">
             <a:spAutoFit/>
           </a:bodyPr>
           <a:lstStyle/>
@@ -3806,7 +3705,7 @@
 </file>
 
 <file path=ppt/slides/slide10.xml><?xml version="1.0" encoding="utf-8"?>
-<p:sld xmlns:p="http://schemas.openxmlformats.org/presentationml/2006/main" xmlns:a="http://schemas.openxmlformats.org/drawingml/2006/main" xmlns:r="http://schemas.openxmlformats.org/officeDocument/2006/relationships">
+<p:sld xmlns:a="http://schemas.openxmlformats.org/drawingml/2006/main" xmlns:r="http://schemas.openxmlformats.org/officeDocument/2006/relationships" xmlns:p="http://schemas.openxmlformats.org/presentationml/2006/main">
   <p:cSld>
     <p:spTree>
       <p:nvGrpSpPr>
@@ -3824,12 +3723,12 @@
       </p:grpSpPr>
       <p:sp>
         <p:nvSpPr>
-          <p:cNvPr name="Freeform 2" id="2"/>
+          <p:cNvPr id="2" name="Freeform 2"/>
           <p:cNvSpPr/>
           <p:nvPr/>
         </p:nvSpPr>
         <p:spPr>
-          <a:xfrm flipH="false" flipV="false" rot="0">
+          <a:xfrm>
             <a:off x="0" y="0"/>
             <a:ext cx="18288000" cy="10287000"/>
           </a:xfrm>
@@ -3838,9 +3737,9 @@
             <a:gdLst/>
             <a:ahLst/>
             <a:cxnLst/>
-            <a:rect r="r" b="b" t="t" l="l"/>
+            <a:rect l="l" t="t" r="r" b="b"/>
             <a:pathLst>
-              <a:path h="10287000" w="18288000">
+              <a:path w="18288000" h="10287000">
                 <a:moveTo>
                   <a:pt x="0" y="0"/>
                 </a:moveTo>
@@ -3863,14 +3762,14 @@
           <a:blipFill>
             <a:blip r:embed="rId2"/>
             <a:stretch>
-              <a:fillRect l="0" t="-38888" r="0" b="-38888"/>
+              <a:fillRect t="-38888" b="-38888"/>
             </a:stretch>
           </a:blipFill>
         </p:spPr>
       </p:sp>
       <p:grpSp>
         <p:nvGrpSpPr>
-          <p:cNvPr name="Group 3" id="3"/>
+          <p:cNvPr id="3" name="Group 3"/>
           <p:cNvGrpSpPr/>
           <p:nvPr/>
         </p:nvGrpSpPr>
@@ -3884,12 +3783,12 @@
         </p:grpSpPr>
         <p:sp>
           <p:nvSpPr>
-            <p:cNvPr name="Freeform 4" id="4"/>
+            <p:cNvPr id="4" name="Freeform 4"/>
             <p:cNvSpPr/>
             <p:nvPr/>
           </p:nvSpPr>
           <p:spPr>
-            <a:xfrm flipH="false" flipV="false" rot="0">
+            <a:xfrm>
               <a:off x="0" y="0"/>
               <a:ext cx="1347239" cy="579341"/>
             </a:xfrm>
@@ -3898,9 +3797,9 @@
               <a:gdLst/>
               <a:ahLst/>
               <a:cxnLst/>
-              <a:rect r="r" b="b" t="t" l="l"/>
+              <a:rect l="l" t="t" r="r" b="b"/>
               <a:pathLst>
-                <a:path h="579341" w="1347239">
+                <a:path w="1347239" h="579341">
                   <a:moveTo>
                     <a:pt x="673619" y="0"/>
                   </a:moveTo>
@@ -3924,8 +3823,8 @@
         </p:sp>
         <p:sp>
           <p:nvSpPr>
-            <p:cNvPr name="TextBox 5" id="5"/>
-            <p:cNvSpPr txBox="true"/>
+            <p:cNvPr id="5" name="TextBox 5"/>
+            <p:cNvSpPr txBox="1"/>
             <p:nvPr/>
           </p:nvSpPr>
           <p:spPr>
@@ -3938,7 +3837,7 @@
             </a:prstGeom>
           </p:spPr>
           <p:txBody>
-            <a:bodyPr anchor="ctr" rtlCol="false" tIns="50800" lIns="50800" bIns="50800" rIns="50800"/>
+            <a:bodyPr lIns="50800" tIns="50800" rIns="50800" bIns="50800" rtlCol="0" anchor="ctr"/>
             <a:lstStyle/>
             <a:p>
               <a:pPr algn="ctr">
@@ -3949,18 +3848,19 @@
                   <a:spcPct val="0"/>
                 </a:spcBef>
               </a:pPr>
+              <a:endParaRPr/>
             </a:p>
           </p:txBody>
         </p:sp>
       </p:grpSp>
       <p:sp>
         <p:nvSpPr>
-          <p:cNvPr name="TextBox 6" id="6"/>
-          <p:cNvSpPr txBox="true"/>
+          <p:cNvPr id="6" name="TextBox 6"/>
+          <p:cNvSpPr txBox="1"/>
           <p:nvPr/>
         </p:nvSpPr>
         <p:spPr>
-          <a:xfrm rot="0">
+          <a:xfrm>
             <a:off x="1655205" y="764579"/>
             <a:ext cx="15235636" cy="1418947"/>
           </a:xfrm>
@@ -3969,7 +3869,7 @@
           </a:prstGeom>
         </p:spPr>
         <p:txBody>
-          <a:bodyPr anchor="t" rtlCol="false" tIns="0" lIns="0" bIns="0" rIns="0">
+          <a:bodyPr lIns="0" tIns="0" rIns="0" bIns="0" rtlCol="0" anchor="t">
             <a:spAutoFit/>
           </a:bodyPr>
           <a:lstStyle/>
@@ -3996,12 +3896,12 @@
       </p:sp>
       <p:sp>
         <p:nvSpPr>
-          <p:cNvPr name="Freeform 7" id="7"/>
+          <p:cNvPr id="7" name="Freeform 7"/>
           <p:cNvSpPr/>
           <p:nvPr/>
         </p:nvSpPr>
         <p:spPr>
-          <a:xfrm flipH="false" flipV="false" rot="0">
+          <a:xfrm>
             <a:off x="10549877" y="2247308"/>
             <a:ext cx="355359" cy="556335"/>
           </a:xfrm>
@@ -4010,9 +3910,9 @@
             <a:gdLst/>
             <a:ahLst/>
             <a:cxnLst/>
-            <a:rect r="r" b="b" t="t" l="l"/>
+            <a:rect l="l" t="t" r="r" b="b"/>
             <a:pathLst>
-              <a:path h="556335" w="355359">
+              <a:path w="355359" h="556335">
                 <a:moveTo>
                   <a:pt x="0" y="0"/>
                 </a:moveTo>
@@ -4041,19 +3941,19 @@
               </a:extLst>
             </a:blip>
             <a:stretch>
-              <a:fillRect l="0" t="0" r="0" b="0"/>
+              <a:fillRect/>
             </a:stretch>
           </a:blipFill>
         </p:spPr>
       </p:sp>
       <p:sp>
         <p:nvSpPr>
-          <p:cNvPr name="Freeform 8" id="8"/>
+          <p:cNvPr id="8" name="Freeform 8"/>
           <p:cNvSpPr/>
           <p:nvPr/>
         </p:nvSpPr>
         <p:spPr>
-          <a:xfrm flipH="false" flipV="false" rot="0">
+          <a:xfrm>
             <a:off x="11014997" y="2247308"/>
             <a:ext cx="355359" cy="556335"/>
           </a:xfrm>
@@ -4062,9 +3962,9 @@
             <a:gdLst/>
             <a:ahLst/>
             <a:cxnLst/>
-            <a:rect r="r" b="b" t="t" l="l"/>
+            <a:rect l="l" t="t" r="r" b="b"/>
             <a:pathLst>
-              <a:path h="556335" w="355359">
+              <a:path w="355359" h="556335">
                 <a:moveTo>
                   <a:pt x="0" y="0"/>
                 </a:moveTo>
@@ -4093,19 +3993,19 @@
               </a:extLst>
             </a:blip>
             <a:stretch>
-              <a:fillRect l="0" t="0" r="0" b="0"/>
+              <a:fillRect/>
             </a:stretch>
           </a:blipFill>
         </p:spPr>
       </p:sp>
       <p:sp>
         <p:nvSpPr>
-          <p:cNvPr name="Freeform 9" id="9"/>
+          <p:cNvPr id="9" name="Freeform 9"/>
           <p:cNvSpPr/>
           <p:nvPr/>
         </p:nvSpPr>
         <p:spPr>
-          <a:xfrm flipH="false" flipV="false" rot="0">
+          <a:xfrm>
             <a:off x="11480118" y="2247308"/>
             <a:ext cx="355359" cy="556335"/>
           </a:xfrm>
@@ -4114,9 +4014,9 @@
             <a:gdLst/>
             <a:ahLst/>
             <a:cxnLst/>
-            <a:rect r="r" b="b" t="t" l="l"/>
+            <a:rect l="l" t="t" r="r" b="b"/>
             <a:pathLst>
-              <a:path h="556335" w="355359">
+              <a:path w="355359" h="556335">
                 <a:moveTo>
                   <a:pt x="0" y="0"/>
                 </a:moveTo>
@@ -4145,19 +4045,19 @@
               </a:extLst>
             </a:blip>
             <a:stretch>
-              <a:fillRect l="0" t="0" r="0" b="0"/>
+              <a:fillRect/>
             </a:stretch>
           </a:blipFill>
         </p:spPr>
       </p:sp>
       <p:sp>
         <p:nvSpPr>
-          <p:cNvPr name="TextBox 10" id="10"/>
-          <p:cNvSpPr txBox="true"/>
+          <p:cNvPr id="10" name="TextBox 10"/>
+          <p:cNvSpPr txBox="1"/>
           <p:nvPr/>
         </p:nvSpPr>
         <p:spPr>
-          <a:xfrm rot="0">
+          <a:xfrm>
             <a:off x="1470975" y="2135901"/>
             <a:ext cx="15604095" cy="9401176"/>
           </a:xfrm>
@@ -4166,12 +4066,12 @@
           </a:prstGeom>
         </p:spPr>
         <p:txBody>
-          <a:bodyPr anchor="t" rtlCol="false" tIns="0" lIns="0" bIns="0" rIns="0">
+          <a:bodyPr lIns="0" tIns="0" rIns="0" bIns="0" rtlCol="0" anchor="t">
             <a:spAutoFit/>
           </a:bodyPr>
           <a:lstStyle/>
           <a:p>
-            <a:pPr algn="just" marL="647694" indent="-323847" lvl="1">
+            <a:pPr marL="647694" lvl="1" indent="-323847" algn="just">
               <a:lnSpc>
                 <a:spcPts val="4199"/>
               </a:lnSpc>
@@ -4189,7 +4089,7 @@
             </a:r>
           </a:p>
           <a:p>
-            <a:pPr algn="just" marL="647694" indent="-323847" lvl="1">
+            <a:pPr marL="647694" lvl="1" indent="-323847" algn="just">
               <a:lnSpc>
                 <a:spcPts val="4199"/>
               </a:lnSpc>
@@ -4207,7 +4107,7 @@
             </a:r>
           </a:p>
           <a:p>
-            <a:pPr algn="just" marL="647694" indent="-323847" lvl="1">
+            <a:pPr marL="647694" lvl="1" indent="-323847" algn="just">
               <a:lnSpc>
                 <a:spcPts val="4199"/>
               </a:lnSpc>
@@ -4225,7 +4125,7 @@
             </a:r>
           </a:p>
           <a:p>
-            <a:pPr algn="just" marL="647694" indent="-323847" lvl="1">
+            <a:pPr marL="647694" lvl="1" indent="-323847" algn="just">
               <a:lnSpc>
                 <a:spcPts val="4199"/>
               </a:lnSpc>
@@ -4243,7 +4143,7 @@
             </a:r>
           </a:p>
           <a:p>
-            <a:pPr algn="just" marL="647694" indent="-323847" lvl="1">
+            <a:pPr marL="647694" lvl="1" indent="-323847" algn="just">
               <a:lnSpc>
                 <a:spcPts val="4199"/>
               </a:lnSpc>
@@ -4266,6 +4166,12 @@
                 <a:spcPts val="4199"/>
               </a:lnSpc>
             </a:pPr>
+            <a:endParaRPr lang="en-US" sz="2999">
+              <a:solidFill>
+                <a:srgbClr val="FFFFFF"/>
+              </a:solidFill>
+              <a:latin typeface="Canva Sans"/>
+            </a:endParaRPr>
           </a:p>
           <a:p>
             <a:pPr algn="just">
@@ -4273,6 +4179,12 @@
                 <a:spcPts val="4199"/>
               </a:lnSpc>
             </a:pPr>
+            <a:endParaRPr lang="en-US" sz="2999">
+              <a:solidFill>
+                <a:srgbClr val="FFFFFF"/>
+              </a:solidFill>
+              <a:latin typeface="Canva Sans"/>
+            </a:endParaRPr>
           </a:p>
           <a:p>
             <a:pPr algn="just">
@@ -4280,6 +4192,12 @@
                 <a:spcPts val="4199"/>
               </a:lnSpc>
             </a:pPr>
+            <a:endParaRPr lang="en-US" sz="2999">
+              <a:solidFill>
+                <a:srgbClr val="FFFFFF"/>
+              </a:solidFill>
+              <a:latin typeface="Canva Sans"/>
+            </a:endParaRPr>
           </a:p>
         </p:txBody>
       </p:sp>
@@ -4292,7 +4210,7 @@
 </file>
 
 <file path=ppt/slides/slide11.xml><?xml version="1.0" encoding="utf-8"?>
-<p:sld xmlns:p="http://schemas.openxmlformats.org/presentationml/2006/main" xmlns:a="http://schemas.openxmlformats.org/drawingml/2006/main" xmlns:r="http://schemas.openxmlformats.org/officeDocument/2006/relationships">
+<p:sld xmlns:a="http://schemas.openxmlformats.org/drawingml/2006/main" xmlns:r="http://schemas.openxmlformats.org/officeDocument/2006/relationships" xmlns:p="http://schemas.openxmlformats.org/presentationml/2006/main">
   <p:cSld>
     <p:spTree>
       <p:nvGrpSpPr>
@@ -4310,12 +4228,12 @@
       </p:grpSpPr>
       <p:sp>
         <p:nvSpPr>
-          <p:cNvPr name="Freeform 2" id="2"/>
+          <p:cNvPr id="2" name="Freeform 2"/>
           <p:cNvSpPr/>
           <p:nvPr/>
         </p:nvSpPr>
         <p:spPr>
-          <a:xfrm flipH="false" flipV="false" rot="0">
+          <a:xfrm>
             <a:off x="0" y="0"/>
             <a:ext cx="18288000" cy="10287000"/>
           </a:xfrm>
@@ -4324,9 +4242,9 @@
             <a:gdLst/>
             <a:ahLst/>
             <a:cxnLst/>
-            <a:rect r="r" b="b" t="t" l="l"/>
+            <a:rect l="l" t="t" r="r" b="b"/>
             <a:pathLst>
-              <a:path h="10287000" w="18288000">
+              <a:path w="18288000" h="10287000">
                 <a:moveTo>
                   <a:pt x="0" y="0"/>
                 </a:moveTo>
@@ -4349,14 +4267,14 @@
           <a:blipFill>
             <a:blip r:embed="rId2"/>
             <a:stretch>
-              <a:fillRect l="0" t="-38888" r="0" b="-38888"/>
+              <a:fillRect t="-38888" b="-38888"/>
             </a:stretch>
           </a:blipFill>
         </p:spPr>
       </p:sp>
       <p:grpSp>
         <p:nvGrpSpPr>
-          <p:cNvPr name="Group 3" id="3"/>
+          <p:cNvPr id="3" name="Group 3"/>
           <p:cNvGrpSpPr/>
           <p:nvPr/>
         </p:nvGrpSpPr>
@@ -4370,12 +4288,12 @@
         </p:grpSpPr>
         <p:sp>
           <p:nvSpPr>
-            <p:cNvPr name="Freeform 4" id="4"/>
+            <p:cNvPr id="4" name="Freeform 4"/>
             <p:cNvSpPr/>
             <p:nvPr/>
           </p:nvSpPr>
           <p:spPr>
-            <a:xfrm flipH="false" flipV="false" rot="0">
+            <a:xfrm>
               <a:off x="0" y="0"/>
               <a:ext cx="1347239" cy="579341"/>
             </a:xfrm>
@@ -4384,9 +4302,9 @@
               <a:gdLst/>
               <a:ahLst/>
               <a:cxnLst/>
-              <a:rect r="r" b="b" t="t" l="l"/>
+              <a:rect l="l" t="t" r="r" b="b"/>
               <a:pathLst>
-                <a:path h="579341" w="1347239">
+                <a:path w="1347239" h="579341">
                   <a:moveTo>
                     <a:pt x="673619" y="0"/>
                   </a:moveTo>
@@ -4410,8 +4328,8 @@
         </p:sp>
         <p:sp>
           <p:nvSpPr>
-            <p:cNvPr name="TextBox 5" id="5"/>
-            <p:cNvSpPr txBox="true"/>
+            <p:cNvPr id="5" name="TextBox 5"/>
+            <p:cNvSpPr txBox="1"/>
             <p:nvPr/>
           </p:nvSpPr>
           <p:spPr>
@@ -4424,7 +4342,7 @@
             </a:prstGeom>
           </p:spPr>
           <p:txBody>
-            <a:bodyPr anchor="ctr" rtlCol="false" tIns="50800" lIns="50800" bIns="50800" rIns="50800"/>
+            <a:bodyPr lIns="50800" tIns="50800" rIns="50800" bIns="50800" rtlCol="0" anchor="ctr"/>
             <a:lstStyle/>
             <a:p>
               <a:pPr algn="ctr">
@@ -4435,18 +4353,19 @@
                   <a:spcPct val="0"/>
                 </a:spcBef>
               </a:pPr>
+              <a:endParaRPr/>
             </a:p>
           </p:txBody>
         </p:sp>
       </p:grpSp>
       <p:sp>
         <p:nvSpPr>
-          <p:cNvPr name="TextBox 6" id="6"/>
-          <p:cNvSpPr txBox="true"/>
+          <p:cNvPr id="6" name="TextBox 6"/>
+          <p:cNvSpPr txBox="1"/>
           <p:nvPr/>
         </p:nvSpPr>
         <p:spPr>
-          <a:xfrm rot="0">
+          <a:xfrm>
             <a:off x="1655205" y="764579"/>
             <a:ext cx="15235636" cy="1418947"/>
           </a:xfrm>
@@ -4455,7 +4374,7 @@
           </a:prstGeom>
         </p:spPr>
         <p:txBody>
-          <a:bodyPr anchor="t" rtlCol="false" tIns="0" lIns="0" bIns="0" rIns="0">
+          <a:bodyPr lIns="0" tIns="0" rIns="0" bIns="0" rtlCol="0" anchor="t">
             <a:spAutoFit/>
           </a:bodyPr>
           <a:lstStyle/>
@@ -4482,12 +4401,12 @@
       </p:sp>
       <p:sp>
         <p:nvSpPr>
-          <p:cNvPr name="Freeform 7" id="7"/>
+          <p:cNvPr id="7" name="Freeform 7"/>
           <p:cNvSpPr/>
           <p:nvPr/>
         </p:nvSpPr>
         <p:spPr>
-          <a:xfrm flipH="false" flipV="false" rot="0">
+          <a:xfrm>
             <a:off x="10549877" y="2247308"/>
             <a:ext cx="355359" cy="556335"/>
           </a:xfrm>
@@ -4496,9 +4415,9 @@
             <a:gdLst/>
             <a:ahLst/>
             <a:cxnLst/>
-            <a:rect r="r" b="b" t="t" l="l"/>
+            <a:rect l="l" t="t" r="r" b="b"/>
             <a:pathLst>
-              <a:path h="556335" w="355359">
+              <a:path w="355359" h="556335">
                 <a:moveTo>
                   <a:pt x="0" y="0"/>
                 </a:moveTo>
@@ -4527,19 +4446,19 @@
               </a:extLst>
             </a:blip>
             <a:stretch>
-              <a:fillRect l="0" t="0" r="0" b="0"/>
+              <a:fillRect/>
             </a:stretch>
           </a:blipFill>
         </p:spPr>
       </p:sp>
       <p:sp>
         <p:nvSpPr>
-          <p:cNvPr name="Freeform 8" id="8"/>
+          <p:cNvPr id="8" name="Freeform 8"/>
           <p:cNvSpPr/>
           <p:nvPr/>
         </p:nvSpPr>
         <p:spPr>
-          <a:xfrm flipH="false" flipV="false" rot="0">
+          <a:xfrm>
             <a:off x="11014997" y="2247308"/>
             <a:ext cx="355359" cy="556335"/>
           </a:xfrm>
@@ -4548,9 +4467,9 @@
             <a:gdLst/>
             <a:ahLst/>
             <a:cxnLst/>
-            <a:rect r="r" b="b" t="t" l="l"/>
+            <a:rect l="l" t="t" r="r" b="b"/>
             <a:pathLst>
-              <a:path h="556335" w="355359">
+              <a:path w="355359" h="556335">
                 <a:moveTo>
                   <a:pt x="0" y="0"/>
                 </a:moveTo>
@@ -4579,19 +4498,19 @@
               </a:extLst>
             </a:blip>
             <a:stretch>
-              <a:fillRect l="0" t="0" r="0" b="0"/>
+              <a:fillRect/>
             </a:stretch>
           </a:blipFill>
         </p:spPr>
       </p:sp>
       <p:sp>
         <p:nvSpPr>
-          <p:cNvPr name="Freeform 9" id="9"/>
+          <p:cNvPr id="9" name="Freeform 9"/>
           <p:cNvSpPr/>
           <p:nvPr/>
         </p:nvSpPr>
         <p:spPr>
-          <a:xfrm flipH="false" flipV="false" rot="0">
+          <a:xfrm>
             <a:off x="11480118" y="2247308"/>
             <a:ext cx="355359" cy="556335"/>
           </a:xfrm>
@@ -4600,9 +4519,9 @@
             <a:gdLst/>
             <a:ahLst/>
             <a:cxnLst/>
-            <a:rect r="r" b="b" t="t" l="l"/>
+            <a:rect l="l" t="t" r="r" b="b"/>
             <a:pathLst>
-              <a:path h="556335" w="355359">
+              <a:path w="355359" h="556335">
                 <a:moveTo>
                   <a:pt x="0" y="0"/>
                 </a:moveTo>
@@ -4631,19 +4550,19 @@
               </a:extLst>
             </a:blip>
             <a:stretch>
-              <a:fillRect l="0" t="0" r="0" b="0"/>
+              <a:fillRect/>
             </a:stretch>
           </a:blipFill>
         </p:spPr>
       </p:sp>
       <p:sp>
         <p:nvSpPr>
-          <p:cNvPr name="TextBox 10" id="10"/>
-          <p:cNvSpPr txBox="true"/>
+          <p:cNvPr id="10" name="TextBox 10"/>
+          <p:cNvSpPr txBox="1"/>
           <p:nvPr/>
         </p:nvSpPr>
         <p:spPr>
-          <a:xfrm rot="0">
+          <a:xfrm>
             <a:off x="1470975" y="2126376"/>
             <a:ext cx="15604095" cy="8406131"/>
           </a:xfrm>
@@ -4652,12 +4571,12 @@
           </a:prstGeom>
         </p:spPr>
         <p:txBody>
-          <a:bodyPr anchor="t" rtlCol="false" tIns="0" lIns="0" bIns="0" rIns="0">
+          <a:bodyPr lIns="0" tIns="0" rIns="0" bIns="0" rtlCol="0" anchor="t">
             <a:spAutoFit/>
           </a:bodyPr>
           <a:lstStyle/>
           <a:p>
-            <a:pPr algn="just" marL="604515" indent="-302257" lvl="1">
+            <a:pPr marL="604515" lvl="1" indent="-302257" algn="just">
               <a:lnSpc>
                 <a:spcPts val="3919"/>
               </a:lnSpc>
@@ -4675,7 +4594,7 @@
             </a:r>
           </a:p>
           <a:p>
-            <a:pPr algn="just" marL="604515" indent="-302257" lvl="1">
+            <a:pPr marL="604515" lvl="1" indent="-302257" algn="just">
               <a:lnSpc>
                 <a:spcPts val="3919"/>
               </a:lnSpc>
@@ -4693,7 +4612,7 @@
             </a:r>
           </a:p>
           <a:p>
-            <a:pPr algn="just" marL="604515" indent="-302257" lvl="1">
+            <a:pPr marL="604515" lvl="1" indent="-302257" algn="just">
               <a:lnSpc>
                 <a:spcPts val="3919"/>
               </a:lnSpc>
@@ -4711,7 +4630,7 @@
             </a:r>
           </a:p>
           <a:p>
-            <a:pPr algn="just" marL="604515" indent="-302257" lvl="1">
+            <a:pPr marL="604515" lvl="1" indent="-302257" algn="just">
               <a:lnSpc>
                 <a:spcPts val="3919"/>
               </a:lnSpc>
@@ -4729,7 +4648,7 @@
             </a:r>
           </a:p>
           <a:p>
-            <a:pPr algn="just" marL="604515" indent="-302257" lvl="1">
+            <a:pPr marL="604515" lvl="1" indent="-302257" algn="just">
               <a:lnSpc>
                 <a:spcPts val="3919"/>
               </a:lnSpc>
@@ -4752,6 +4671,12 @@
                 <a:spcPts val="3919"/>
               </a:lnSpc>
             </a:pPr>
+            <a:endParaRPr lang="en-US" sz="2799">
+              <a:solidFill>
+                <a:srgbClr val="FFFFFF"/>
+              </a:solidFill>
+              <a:latin typeface="Canva Sans"/>
+            </a:endParaRPr>
           </a:p>
           <a:p>
             <a:pPr algn="just">
@@ -4759,6 +4684,12 @@
                 <a:spcPts val="3919"/>
               </a:lnSpc>
             </a:pPr>
+            <a:endParaRPr lang="en-US" sz="2799">
+              <a:solidFill>
+                <a:srgbClr val="FFFFFF"/>
+              </a:solidFill>
+              <a:latin typeface="Canva Sans"/>
+            </a:endParaRPr>
           </a:p>
         </p:txBody>
       </p:sp>
@@ -4771,7 +4702,7 @@
 </file>
 
 <file path=ppt/slides/slide2.xml><?xml version="1.0" encoding="utf-8"?>
-<p:sld xmlns:p="http://schemas.openxmlformats.org/presentationml/2006/main" xmlns:a="http://schemas.openxmlformats.org/drawingml/2006/main" xmlns:r="http://schemas.openxmlformats.org/officeDocument/2006/relationships">
+<p:sld xmlns:a="http://schemas.openxmlformats.org/drawingml/2006/main" xmlns:r="http://schemas.openxmlformats.org/officeDocument/2006/relationships" xmlns:p="http://schemas.openxmlformats.org/presentationml/2006/main">
   <p:cSld>
     <p:spTree>
       <p:nvGrpSpPr>
@@ -4789,12 +4720,12 @@
       </p:grpSpPr>
       <p:sp>
         <p:nvSpPr>
-          <p:cNvPr name="Freeform 2" id="2"/>
+          <p:cNvPr id="2" name="Freeform 2"/>
           <p:cNvSpPr/>
           <p:nvPr/>
         </p:nvSpPr>
         <p:spPr>
-          <a:xfrm flipH="false" flipV="false" rot="0">
+          <a:xfrm>
             <a:off x="0" y="0"/>
             <a:ext cx="18288000" cy="10287000"/>
           </a:xfrm>
@@ -4803,9 +4734,9 @@
             <a:gdLst/>
             <a:ahLst/>
             <a:cxnLst/>
-            <a:rect r="r" b="b" t="t" l="l"/>
+            <a:rect l="l" t="t" r="r" b="b"/>
             <a:pathLst>
-              <a:path h="10287000" w="18288000">
+              <a:path w="18288000" h="10287000">
                 <a:moveTo>
                   <a:pt x="0" y="0"/>
                 </a:moveTo>
@@ -4828,14 +4759,14 @@
           <a:blipFill>
             <a:blip r:embed="rId2"/>
             <a:stretch>
-              <a:fillRect l="0" t="-38888" r="0" b="-38888"/>
+              <a:fillRect t="-38888" b="-38888"/>
             </a:stretch>
           </a:blipFill>
         </p:spPr>
       </p:sp>
       <p:grpSp>
         <p:nvGrpSpPr>
-          <p:cNvPr name="Group 3" id="3"/>
+          <p:cNvPr id="3" name="Group 3"/>
           <p:cNvGrpSpPr/>
           <p:nvPr/>
         </p:nvGrpSpPr>
@@ -4849,12 +4780,12 @@
         </p:grpSpPr>
         <p:sp>
           <p:nvSpPr>
-            <p:cNvPr name="Freeform 4" id="4"/>
+            <p:cNvPr id="4" name="Freeform 4"/>
             <p:cNvSpPr/>
             <p:nvPr/>
           </p:nvSpPr>
           <p:spPr>
-            <a:xfrm flipH="false" flipV="false" rot="0">
+            <a:xfrm>
               <a:off x="0" y="0"/>
               <a:ext cx="1347239" cy="579341"/>
             </a:xfrm>
@@ -4863,9 +4794,9 @@
               <a:gdLst/>
               <a:ahLst/>
               <a:cxnLst/>
-              <a:rect r="r" b="b" t="t" l="l"/>
+              <a:rect l="l" t="t" r="r" b="b"/>
               <a:pathLst>
-                <a:path h="579341" w="1347239">
+                <a:path w="1347239" h="579341">
                   <a:moveTo>
                     <a:pt x="673619" y="0"/>
                   </a:moveTo>
@@ -4889,8 +4820,8 @@
         </p:sp>
         <p:sp>
           <p:nvSpPr>
-            <p:cNvPr name="TextBox 5" id="5"/>
-            <p:cNvSpPr txBox="true"/>
+            <p:cNvPr id="5" name="TextBox 5"/>
+            <p:cNvSpPr txBox="1"/>
             <p:nvPr/>
           </p:nvSpPr>
           <p:spPr>
@@ -4903,7 +4834,7 @@
             </a:prstGeom>
           </p:spPr>
           <p:txBody>
-            <a:bodyPr anchor="ctr" rtlCol="false" tIns="50800" lIns="50800" bIns="50800" rIns="50800"/>
+            <a:bodyPr lIns="50800" tIns="50800" rIns="50800" bIns="50800" rtlCol="0" anchor="ctr"/>
             <a:lstStyle/>
             <a:p>
               <a:pPr algn="ctr">
@@ -4914,18 +4845,19 @@
                   <a:spcPct val="0"/>
                 </a:spcBef>
               </a:pPr>
+              <a:endParaRPr/>
             </a:p>
           </p:txBody>
         </p:sp>
       </p:grpSp>
       <p:sp>
         <p:nvSpPr>
-          <p:cNvPr name="TextBox 6" id="6"/>
-          <p:cNvSpPr txBox="true"/>
+          <p:cNvPr id="6" name="TextBox 6"/>
+          <p:cNvSpPr txBox="1"/>
           <p:nvPr/>
         </p:nvSpPr>
         <p:spPr>
-          <a:xfrm rot="0">
+          <a:xfrm>
             <a:off x="1655205" y="764579"/>
             <a:ext cx="15235636" cy="1418947"/>
           </a:xfrm>
@@ -4934,7 +4866,7 @@
           </a:prstGeom>
         </p:spPr>
         <p:txBody>
-          <a:bodyPr anchor="t" rtlCol="false" tIns="0" lIns="0" bIns="0" rIns="0">
+          <a:bodyPr lIns="0" tIns="0" rIns="0" bIns="0" rtlCol="0" anchor="t">
             <a:spAutoFit/>
           </a:bodyPr>
           <a:lstStyle/>
@@ -4961,12 +4893,12 @@
       </p:sp>
       <p:sp>
         <p:nvSpPr>
-          <p:cNvPr name="Freeform 7" id="7"/>
+          <p:cNvPr id="7" name="Freeform 7"/>
           <p:cNvSpPr/>
           <p:nvPr/>
         </p:nvSpPr>
         <p:spPr>
-          <a:xfrm flipH="false" flipV="false" rot="0">
+          <a:xfrm>
             <a:off x="10549877" y="2247308"/>
             <a:ext cx="355359" cy="556335"/>
           </a:xfrm>
@@ -4975,9 +4907,9 @@
             <a:gdLst/>
             <a:ahLst/>
             <a:cxnLst/>
-            <a:rect r="r" b="b" t="t" l="l"/>
+            <a:rect l="l" t="t" r="r" b="b"/>
             <a:pathLst>
-              <a:path h="556335" w="355359">
+              <a:path w="355359" h="556335">
                 <a:moveTo>
                   <a:pt x="0" y="0"/>
                 </a:moveTo>
@@ -5006,19 +4938,19 @@
               </a:extLst>
             </a:blip>
             <a:stretch>
-              <a:fillRect l="0" t="0" r="0" b="0"/>
+              <a:fillRect/>
             </a:stretch>
           </a:blipFill>
         </p:spPr>
       </p:sp>
       <p:sp>
         <p:nvSpPr>
-          <p:cNvPr name="Freeform 8" id="8"/>
+          <p:cNvPr id="8" name="Freeform 8"/>
           <p:cNvSpPr/>
           <p:nvPr/>
         </p:nvSpPr>
         <p:spPr>
-          <a:xfrm flipH="false" flipV="false" rot="0">
+          <a:xfrm>
             <a:off x="11014997" y="2247308"/>
             <a:ext cx="355359" cy="556335"/>
           </a:xfrm>
@@ -5027,9 +4959,9 @@
             <a:gdLst/>
             <a:ahLst/>
             <a:cxnLst/>
-            <a:rect r="r" b="b" t="t" l="l"/>
+            <a:rect l="l" t="t" r="r" b="b"/>
             <a:pathLst>
-              <a:path h="556335" w="355359">
+              <a:path w="355359" h="556335">
                 <a:moveTo>
                   <a:pt x="0" y="0"/>
                 </a:moveTo>
@@ -5058,19 +4990,19 @@
               </a:extLst>
             </a:blip>
             <a:stretch>
-              <a:fillRect l="0" t="0" r="0" b="0"/>
+              <a:fillRect/>
             </a:stretch>
           </a:blipFill>
         </p:spPr>
       </p:sp>
       <p:sp>
         <p:nvSpPr>
-          <p:cNvPr name="Freeform 9" id="9"/>
+          <p:cNvPr id="9" name="Freeform 9"/>
           <p:cNvSpPr/>
           <p:nvPr/>
         </p:nvSpPr>
         <p:spPr>
-          <a:xfrm flipH="false" flipV="false" rot="0">
+          <a:xfrm>
             <a:off x="11480118" y="2247308"/>
             <a:ext cx="355359" cy="556335"/>
           </a:xfrm>
@@ -5079,9 +5011,9 @@
             <a:gdLst/>
             <a:ahLst/>
             <a:cxnLst/>
-            <a:rect r="r" b="b" t="t" l="l"/>
+            <a:rect l="l" t="t" r="r" b="b"/>
             <a:pathLst>
-              <a:path h="556335" w="355359">
+              <a:path w="355359" h="556335">
                 <a:moveTo>
                   <a:pt x="0" y="0"/>
                 </a:moveTo>
@@ -5110,19 +5042,19 @@
               </a:extLst>
             </a:blip>
             <a:stretch>
-              <a:fillRect l="0" t="0" r="0" b="0"/>
+              <a:fillRect/>
             </a:stretch>
           </a:blipFill>
         </p:spPr>
       </p:sp>
       <p:sp>
         <p:nvSpPr>
-          <p:cNvPr name="TextBox 10" id="10"/>
-          <p:cNvSpPr txBox="true"/>
+          <p:cNvPr id="10" name="TextBox 10"/>
+          <p:cNvSpPr txBox="1"/>
           <p:nvPr/>
         </p:nvSpPr>
         <p:spPr>
-          <a:xfrm rot="0">
+          <a:xfrm>
             <a:off x="1276154" y="2209208"/>
             <a:ext cx="15614687" cy="7414260"/>
           </a:xfrm>
@@ -5131,12 +5063,12 @@
           </a:prstGeom>
         </p:spPr>
         <p:txBody>
-          <a:bodyPr anchor="t" rtlCol="false" tIns="0" lIns="0" bIns="0" rIns="0">
+          <a:bodyPr lIns="0" tIns="0" rIns="0" bIns="0" rtlCol="0" anchor="t">
             <a:spAutoFit/>
           </a:bodyPr>
           <a:lstStyle/>
           <a:p>
-            <a:pPr algn="just" marL="453388" indent="-226694" lvl="1">
+            <a:pPr marL="453388" lvl="1" indent="-226694" algn="just">
               <a:lnSpc>
                 <a:spcPts val="2939"/>
               </a:lnSpc>
@@ -5159,9 +5091,15 @@
                 <a:spcPts val="2939"/>
               </a:lnSpc>
             </a:pPr>
-          </a:p>
-          <a:p>
-            <a:pPr algn="just" marL="453388" indent="-226694" lvl="1">
+            <a:endParaRPr lang="en-US" sz="2099">
+              <a:solidFill>
+                <a:srgbClr val="FFFFFF"/>
+              </a:solidFill>
+              <a:latin typeface="Canva Sans"/>
+            </a:endParaRPr>
+          </a:p>
+          <a:p>
+            <a:pPr marL="453388" lvl="1" indent="-226694" algn="just">
               <a:lnSpc>
                 <a:spcPts val="2939"/>
               </a:lnSpc>
@@ -5184,9 +5122,15 @@
                 <a:spcPts val="2939"/>
               </a:lnSpc>
             </a:pPr>
-          </a:p>
-          <a:p>
-            <a:pPr algn="just" marL="453388" indent="-226694" lvl="1">
+            <a:endParaRPr lang="en-US" sz="2099">
+              <a:solidFill>
+                <a:srgbClr val="FFFFFF"/>
+              </a:solidFill>
+              <a:latin typeface="Canva Sans"/>
+            </a:endParaRPr>
+          </a:p>
+          <a:p>
+            <a:pPr marL="453388" lvl="1" indent="-226694" algn="just">
               <a:lnSpc>
                 <a:spcPts val="2939"/>
               </a:lnSpc>
@@ -5209,9 +5153,15 @@
                 <a:spcPts val="2939"/>
               </a:lnSpc>
             </a:pPr>
-          </a:p>
-          <a:p>
-            <a:pPr algn="just" marL="453388" indent="-226694" lvl="1">
+            <a:endParaRPr lang="en-US" sz="2099">
+              <a:solidFill>
+                <a:srgbClr val="FFFFFF"/>
+              </a:solidFill>
+              <a:latin typeface="Canva Sans"/>
+            </a:endParaRPr>
+          </a:p>
+          <a:p>
+            <a:pPr marL="453388" lvl="1" indent="-226694" algn="just">
               <a:lnSpc>
                 <a:spcPts val="2939"/>
               </a:lnSpc>
@@ -5234,9 +5184,15 @@
                 <a:spcPts val="2939"/>
               </a:lnSpc>
             </a:pPr>
-          </a:p>
-          <a:p>
-            <a:pPr algn="just" marL="453388" indent="-226694" lvl="1">
+            <a:endParaRPr lang="en-US" sz="2099">
+              <a:solidFill>
+                <a:srgbClr val="FFFFFF"/>
+              </a:solidFill>
+              <a:latin typeface="Canva Sans"/>
+            </a:endParaRPr>
+          </a:p>
+          <a:p>
+            <a:pPr marL="453388" lvl="1" indent="-226694" algn="just">
               <a:lnSpc>
                 <a:spcPts val="2939"/>
               </a:lnSpc>
@@ -5264,7 +5220,7 @@
 </file>
 
 <file path=ppt/slides/slide3.xml><?xml version="1.0" encoding="utf-8"?>
-<p:sld xmlns:p="http://schemas.openxmlformats.org/presentationml/2006/main" xmlns:a="http://schemas.openxmlformats.org/drawingml/2006/main" xmlns:r="http://schemas.openxmlformats.org/officeDocument/2006/relationships">
+<p:sld xmlns:a="http://schemas.openxmlformats.org/drawingml/2006/main" xmlns:r="http://schemas.openxmlformats.org/officeDocument/2006/relationships" xmlns:p="http://schemas.openxmlformats.org/presentationml/2006/main">
   <p:cSld>
     <p:spTree>
       <p:nvGrpSpPr>
@@ -5282,12 +5238,12 @@
       </p:grpSpPr>
       <p:sp>
         <p:nvSpPr>
-          <p:cNvPr name="Freeform 2" id="2"/>
+          <p:cNvPr id="2" name="Freeform 2"/>
           <p:cNvSpPr/>
           <p:nvPr/>
         </p:nvSpPr>
         <p:spPr>
-          <a:xfrm flipH="false" flipV="false" rot="0">
+          <a:xfrm>
             <a:off x="0" y="0"/>
             <a:ext cx="18288000" cy="10287000"/>
           </a:xfrm>
@@ -5296,9 +5252,9 @@
             <a:gdLst/>
             <a:ahLst/>
             <a:cxnLst/>
-            <a:rect r="r" b="b" t="t" l="l"/>
+            <a:rect l="l" t="t" r="r" b="b"/>
             <a:pathLst>
-              <a:path h="10287000" w="18288000">
+              <a:path w="18288000" h="10287000">
                 <a:moveTo>
                   <a:pt x="0" y="0"/>
                 </a:moveTo>
@@ -5321,14 +5277,14 @@
           <a:blipFill>
             <a:blip r:embed="rId2"/>
             <a:stretch>
-              <a:fillRect l="0" t="-38888" r="0" b="-38888"/>
+              <a:fillRect t="-38888" b="-38888"/>
             </a:stretch>
           </a:blipFill>
         </p:spPr>
       </p:sp>
       <p:grpSp>
         <p:nvGrpSpPr>
-          <p:cNvPr name="Group 3" id="3"/>
+          <p:cNvPr id="3" name="Group 3"/>
           <p:cNvGrpSpPr/>
           <p:nvPr/>
         </p:nvGrpSpPr>
@@ -5342,12 +5298,12 @@
         </p:grpSpPr>
         <p:sp>
           <p:nvSpPr>
-            <p:cNvPr name="Freeform 4" id="4"/>
+            <p:cNvPr id="4" name="Freeform 4"/>
             <p:cNvSpPr/>
             <p:nvPr/>
           </p:nvSpPr>
           <p:spPr>
-            <a:xfrm flipH="false" flipV="false" rot="0">
+            <a:xfrm>
               <a:off x="0" y="0"/>
               <a:ext cx="1347239" cy="579341"/>
             </a:xfrm>
@@ -5356,9 +5312,9 @@
               <a:gdLst/>
               <a:ahLst/>
               <a:cxnLst/>
-              <a:rect r="r" b="b" t="t" l="l"/>
+              <a:rect l="l" t="t" r="r" b="b"/>
               <a:pathLst>
-                <a:path h="579341" w="1347239">
+                <a:path w="1347239" h="579341">
                   <a:moveTo>
                     <a:pt x="673619" y="0"/>
                   </a:moveTo>
@@ -5382,8 +5338,8 @@
         </p:sp>
         <p:sp>
           <p:nvSpPr>
-            <p:cNvPr name="TextBox 5" id="5"/>
-            <p:cNvSpPr txBox="true"/>
+            <p:cNvPr id="5" name="TextBox 5"/>
+            <p:cNvSpPr txBox="1"/>
             <p:nvPr/>
           </p:nvSpPr>
           <p:spPr>
@@ -5396,7 +5352,7 @@
             </a:prstGeom>
           </p:spPr>
           <p:txBody>
-            <a:bodyPr anchor="ctr" rtlCol="false" tIns="50800" lIns="50800" bIns="50800" rIns="50800"/>
+            <a:bodyPr lIns="50800" tIns="50800" rIns="50800" bIns="50800" rtlCol="0" anchor="ctr"/>
             <a:lstStyle/>
             <a:p>
               <a:pPr algn="ctr">
@@ -5407,18 +5363,19 @@
                   <a:spcPct val="0"/>
                 </a:spcBef>
               </a:pPr>
+              <a:endParaRPr/>
             </a:p>
           </p:txBody>
         </p:sp>
       </p:grpSp>
       <p:sp>
         <p:nvSpPr>
-          <p:cNvPr name="TextBox 6" id="6"/>
-          <p:cNvSpPr txBox="true"/>
+          <p:cNvPr id="6" name="TextBox 6"/>
+          <p:cNvSpPr txBox="1"/>
           <p:nvPr/>
         </p:nvSpPr>
         <p:spPr>
-          <a:xfrm rot="0">
+          <a:xfrm>
             <a:off x="1655205" y="764579"/>
             <a:ext cx="15235636" cy="1418947"/>
           </a:xfrm>
@@ -5427,7 +5384,7 @@
           </a:prstGeom>
         </p:spPr>
         <p:txBody>
-          <a:bodyPr anchor="t" rtlCol="false" tIns="0" lIns="0" bIns="0" rIns="0">
+          <a:bodyPr lIns="0" tIns="0" rIns="0" bIns="0" rtlCol="0" anchor="t">
             <a:spAutoFit/>
           </a:bodyPr>
           <a:lstStyle/>
@@ -5454,12 +5411,12 @@
       </p:sp>
       <p:sp>
         <p:nvSpPr>
-          <p:cNvPr name="Freeform 7" id="7"/>
+          <p:cNvPr id="7" name="Freeform 7"/>
           <p:cNvSpPr/>
           <p:nvPr/>
         </p:nvSpPr>
         <p:spPr>
-          <a:xfrm flipH="false" flipV="false" rot="0">
+          <a:xfrm>
             <a:off x="10549877" y="2247308"/>
             <a:ext cx="355359" cy="556335"/>
           </a:xfrm>
@@ -5468,9 +5425,9 @@
             <a:gdLst/>
             <a:ahLst/>
             <a:cxnLst/>
-            <a:rect r="r" b="b" t="t" l="l"/>
+            <a:rect l="l" t="t" r="r" b="b"/>
             <a:pathLst>
-              <a:path h="556335" w="355359">
+              <a:path w="355359" h="556335">
                 <a:moveTo>
                   <a:pt x="0" y="0"/>
                 </a:moveTo>
@@ -5499,19 +5456,19 @@
               </a:extLst>
             </a:blip>
             <a:stretch>
-              <a:fillRect l="0" t="0" r="0" b="0"/>
+              <a:fillRect/>
             </a:stretch>
           </a:blipFill>
         </p:spPr>
       </p:sp>
       <p:sp>
         <p:nvSpPr>
-          <p:cNvPr name="Freeform 8" id="8"/>
+          <p:cNvPr id="8" name="Freeform 8"/>
           <p:cNvSpPr/>
           <p:nvPr/>
         </p:nvSpPr>
         <p:spPr>
-          <a:xfrm flipH="false" flipV="false" rot="0">
+          <a:xfrm>
             <a:off x="11014997" y="2247308"/>
             <a:ext cx="355359" cy="556335"/>
           </a:xfrm>
@@ -5520,9 +5477,9 @@
             <a:gdLst/>
             <a:ahLst/>
             <a:cxnLst/>
-            <a:rect r="r" b="b" t="t" l="l"/>
+            <a:rect l="l" t="t" r="r" b="b"/>
             <a:pathLst>
-              <a:path h="556335" w="355359">
+              <a:path w="355359" h="556335">
                 <a:moveTo>
                   <a:pt x="0" y="0"/>
                 </a:moveTo>
@@ -5551,19 +5508,19 @@
               </a:extLst>
             </a:blip>
             <a:stretch>
-              <a:fillRect l="0" t="0" r="0" b="0"/>
+              <a:fillRect/>
             </a:stretch>
           </a:blipFill>
         </p:spPr>
       </p:sp>
       <p:sp>
         <p:nvSpPr>
-          <p:cNvPr name="Freeform 9" id="9"/>
+          <p:cNvPr id="9" name="Freeform 9"/>
           <p:cNvSpPr/>
           <p:nvPr/>
         </p:nvSpPr>
         <p:spPr>
-          <a:xfrm flipH="false" flipV="false" rot="0">
+          <a:xfrm>
             <a:off x="11480118" y="2247308"/>
             <a:ext cx="355359" cy="556335"/>
           </a:xfrm>
@@ -5572,9 +5529,9 @@
             <a:gdLst/>
             <a:ahLst/>
             <a:cxnLst/>
-            <a:rect r="r" b="b" t="t" l="l"/>
+            <a:rect l="l" t="t" r="r" b="b"/>
             <a:pathLst>
-              <a:path h="556335" w="355359">
+              <a:path w="355359" h="556335">
                 <a:moveTo>
                   <a:pt x="0" y="0"/>
                 </a:moveTo>
@@ -5603,19 +5560,19 @@
               </a:extLst>
             </a:blip>
             <a:stretch>
-              <a:fillRect l="0" t="0" r="0" b="0"/>
+              <a:fillRect/>
             </a:stretch>
           </a:blipFill>
         </p:spPr>
       </p:sp>
       <p:sp>
         <p:nvSpPr>
-          <p:cNvPr name="TextBox 10" id="10"/>
-          <p:cNvSpPr txBox="true"/>
+          <p:cNvPr id="10" name="TextBox 10"/>
+          <p:cNvSpPr txBox="1"/>
           <p:nvPr/>
         </p:nvSpPr>
         <p:spPr>
-          <a:xfrm rot="0">
+          <a:xfrm>
             <a:off x="1276154" y="2477851"/>
             <a:ext cx="15614687" cy="7190105"/>
           </a:xfrm>
@@ -5624,12 +5581,12 @@
           </a:prstGeom>
         </p:spPr>
         <p:txBody>
-          <a:bodyPr anchor="t" rtlCol="false" tIns="0" lIns="0" bIns="0" rIns="0">
+          <a:bodyPr lIns="0" tIns="0" rIns="0" bIns="0" rtlCol="0" anchor="t">
             <a:spAutoFit/>
           </a:bodyPr>
           <a:lstStyle/>
           <a:p>
-            <a:pPr algn="just" marL="496567" indent="-248284" lvl="1">
+            <a:pPr marL="496567" lvl="1" indent="-248284" algn="just">
               <a:lnSpc>
                 <a:spcPts val="3219"/>
               </a:lnSpc>
@@ -5652,9 +5609,15 @@
                 <a:spcPts val="3219"/>
               </a:lnSpc>
             </a:pPr>
-          </a:p>
-          <a:p>
-            <a:pPr algn="just" marL="496567" indent="-248284" lvl="1">
+            <a:endParaRPr lang="en-US" sz="2299">
+              <a:solidFill>
+                <a:srgbClr val="FFFFFF"/>
+              </a:solidFill>
+              <a:latin typeface="Canva Sans"/>
+            </a:endParaRPr>
+          </a:p>
+          <a:p>
+            <a:pPr marL="496567" lvl="1" indent="-248284" algn="just">
               <a:lnSpc>
                 <a:spcPts val="3219"/>
               </a:lnSpc>
@@ -5677,9 +5640,15 @@
                 <a:spcPts val="3219"/>
               </a:lnSpc>
             </a:pPr>
-          </a:p>
-          <a:p>
-            <a:pPr algn="just" marL="496567" indent="-248284" lvl="1">
+            <a:endParaRPr lang="en-US" sz="2299">
+              <a:solidFill>
+                <a:srgbClr val="FFFFFF"/>
+              </a:solidFill>
+              <a:latin typeface="Canva Sans"/>
+            </a:endParaRPr>
+          </a:p>
+          <a:p>
+            <a:pPr marL="496567" lvl="1" indent="-248284" algn="just">
               <a:lnSpc>
                 <a:spcPts val="3219"/>
               </a:lnSpc>
@@ -5702,9 +5671,15 @@
                 <a:spcPts val="3219"/>
               </a:lnSpc>
             </a:pPr>
-          </a:p>
-          <a:p>
-            <a:pPr algn="just" marL="496567" indent="-248284" lvl="1">
+            <a:endParaRPr lang="en-US" sz="2299">
+              <a:solidFill>
+                <a:srgbClr val="FFFFFF"/>
+              </a:solidFill>
+              <a:latin typeface="Canva Sans"/>
+            </a:endParaRPr>
+          </a:p>
+          <a:p>
+            <a:pPr marL="496567" lvl="1" indent="-248284" algn="just">
               <a:lnSpc>
                 <a:spcPts val="3219"/>
               </a:lnSpc>
@@ -5727,9 +5702,15 @@
                 <a:spcPts val="3219"/>
               </a:lnSpc>
             </a:pPr>
-          </a:p>
-          <a:p>
-            <a:pPr algn="just" marL="496567" indent="-248284" lvl="1">
+            <a:endParaRPr lang="en-US" sz="2299">
+              <a:solidFill>
+                <a:srgbClr val="FFFFFF"/>
+              </a:solidFill>
+              <a:latin typeface="Canva Sans"/>
+            </a:endParaRPr>
+          </a:p>
+          <a:p>
+            <a:pPr marL="496567" lvl="1" indent="-248284" algn="just">
               <a:lnSpc>
                 <a:spcPts val="3219"/>
               </a:lnSpc>
@@ -5747,13 +5728,19 @@
             </a:r>
           </a:p>
           <a:p>
-            <a:pPr algn="just" marL="496567" indent="-248284" lvl="1">
+            <a:pPr marL="496567" lvl="1" indent="-248284" algn="just">
               <a:lnSpc>
                 <a:spcPts val="3219"/>
               </a:lnSpc>
               <a:buFont typeface="Arial"/>
               <a:buChar char="•"/>
             </a:pPr>
+            <a:endParaRPr lang="en-US" sz="2299">
+              <a:solidFill>
+                <a:srgbClr val="FFFFFF"/>
+              </a:solidFill>
+              <a:latin typeface="Canva Sans"/>
+            </a:endParaRPr>
           </a:p>
         </p:txBody>
       </p:sp>
@@ -5766,7 +5753,7 @@
 </file>
 
 <file path=ppt/slides/slide4.xml><?xml version="1.0" encoding="utf-8"?>
-<p:sld xmlns:p="http://schemas.openxmlformats.org/presentationml/2006/main" xmlns:a="http://schemas.openxmlformats.org/drawingml/2006/main" xmlns:r="http://schemas.openxmlformats.org/officeDocument/2006/relationships">
+<p:sld xmlns:a="http://schemas.openxmlformats.org/drawingml/2006/main" xmlns:r="http://schemas.openxmlformats.org/officeDocument/2006/relationships" xmlns:p="http://schemas.openxmlformats.org/presentationml/2006/main">
   <p:cSld>
     <p:spTree>
       <p:nvGrpSpPr>
@@ -5784,12 +5771,12 @@
       </p:grpSpPr>
       <p:sp>
         <p:nvSpPr>
-          <p:cNvPr name="Freeform 2" id="2"/>
+          <p:cNvPr id="2" name="Freeform 2"/>
           <p:cNvSpPr/>
           <p:nvPr/>
         </p:nvSpPr>
         <p:spPr>
-          <a:xfrm flipH="false" flipV="false" rot="0">
+          <a:xfrm>
             <a:off x="0" y="0"/>
             <a:ext cx="18288000" cy="10287000"/>
           </a:xfrm>
@@ -5798,9 +5785,9 @@
             <a:gdLst/>
             <a:ahLst/>
             <a:cxnLst/>
-            <a:rect r="r" b="b" t="t" l="l"/>
+            <a:rect l="l" t="t" r="r" b="b"/>
             <a:pathLst>
-              <a:path h="10287000" w="18288000">
+              <a:path w="18288000" h="10287000">
                 <a:moveTo>
                   <a:pt x="0" y="0"/>
                 </a:moveTo>
@@ -5823,14 +5810,14 @@
           <a:blipFill>
             <a:blip r:embed="rId2"/>
             <a:stretch>
-              <a:fillRect l="0" t="-38888" r="0" b="-38888"/>
+              <a:fillRect t="-38888" b="-38888"/>
             </a:stretch>
           </a:blipFill>
         </p:spPr>
       </p:sp>
       <p:grpSp>
         <p:nvGrpSpPr>
-          <p:cNvPr name="Group 3" id="3"/>
+          <p:cNvPr id="3" name="Group 3"/>
           <p:cNvGrpSpPr/>
           <p:nvPr/>
         </p:nvGrpSpPr>
@@ -5844,12 +5831,12 @@
         </p:grpSpPr>
         <p:sp>
           <p:nvSpPr>
-            <p:cNvPr name="Freeform 4" id="4"/>
+            <p:cNvPr id="4" name="Freeform 4"/>
             <p:cNvSpPr/>
             <p:nvPr/>
           </p:nvSpPr>
           <p:spPr>
-            <a:xfrm flipH="false" flipV="false" rot="0">
+            <a:xfrm>
               <a:off x="0" y="0"/>
               <a:ext cx="1347239" cy="579341"/>
             </a:xfrm>
@@ -5858,9 +5845,9 @@
               <a:gdLst/>
               <a:ahLst/>
               <a:cxnLst/>
-              <a:rect r="r" b="b" t="t" l="l"/>
+              <a:rect l="l" t="t" r="r" b="b"/>
               <a:pathLst>
-                <a:path h="579341" w="1347239">
+                <a:path w="1347239" h="579341">
                   <a:moveTo>
                     <a:pt x="673619" y="0"/>
                   </a:moveTo>
@@ -5884,8 +5871,8 @@
         </p:sp>
         <p:sp>
           <p:nvSpPr>
-            <p:cNvPr name="TextBox 5" id="5"/>
-            <p:cNvSpPr txBox="true"/>
+            <p:cNvPr id="5" name="TextBox 5"/>
+            <p:cNvSpPr txBox="1"/>
             <p:nvPr/>
           </p:nvSpPr>
           <p:spPr>
@@ -5898,7 +5885,7 @@
             </a:prstGeom>
           </p:spPr>
           <p:txBody>
-            <a:bodyPr anchor="ctr" rtlCol="false" tIns="50800" lIns="50800" bIns="50800" rIns="50800"/>
+            <a:bodyPr lIns="50800" tIns="50800" rIns="50800" bIns="50800" rtlCol="0" anchor="ctr"/>
             <a:lstStyle/>
             <a:p>
               <a:pPr algn="ctr">
@@ -5909,18 +5896,19 @@
                   <a:spcPct val="0"/>
                 </a:spcBef>
               </a:pPr>
+              <a:endParaRPr/>
             </a:p>
           </p:txBody>
         </p:sp>
       </p:grpSp>
       <p:sp>
         <p:nvSpPr>
-          <p:cNvPr name="TextBox 6" id="6"/>
-          <p:cNvSpPr txBox="true"/>
+          <p:cNvPr id="6" name="TextBox 6"/>
+          <p:cNvSpPr txBox="1"/>
           <p:nvPr/>
         </p:nvSpPr>
         <p:spPr>
-          <a:xfrm rot="0">
+          <a:xfrm>
             <a:off x="1655205" y="764579"/>
             <a:ext cx="15235636" cy="1418947"/>
           </a:xfrm>
@@ -5929,7 +5917,7 @@
           </a:prstGeom>
         </p:spPr>
         <p:txBody>
-          <a:bodyPr anchor="t" rtlCol="false" tIns="0" lIns="0" bIns="0" rIns="0">
+          <a:bodyPr lIns="0" tIns="0" rIns="0" bIns="0" rtlCol="0" anchor="t">
             <a:spAutoFit/>
           </a:bodyPr>
           <a:lstStyle/>
@@ -5956,12 +5944,12 @@
       </p:sp>
       <p:sp>
         <p:nvSpPr>
-          <p:cNvPr name="Freeform 7" id="7"/>
+          <p:cNvPr id="7" name="Freeform 7"/>
           <p:cNvSpPr/>
           <p:nvPr/>
         </p:nvSpPr>
         <p:spPr>
-          <a:xfrm flipH="false" flipV="false" rot="0">
+          <a:xfrm>
             <a:off x="10549877" y="2247308"/>
             <a:ext cx="355359" cy="556335"/>
           </a:xfrm>
@@ -5970,9 +5958,9 @@
             <a:gdLst/>
             <a:ahLst/>
             <a:cxnLst/>
-            <a:rect r="r" b="b" t="t" l="l"/>
+            <a:rect l="l" t="t" r="r" b="b"/>
             <a:pathLst>
-              <a:path h="556335" w="355359">
+              <a:path w="355359" h="556335">
                 <a:moveTo>
                   <a:pt x="0" y="0"/>
                 </a:moveTo>
@@ -6001,19 +5989,19 @@
               </a:extLst>
             </a:blip>
             <a:stretch>
-              <a:fillRect l="0" t="0" r="0" b="0"/>
+              <a:fillRect/>
             </a:stretch>
           </a:blipFill>
         </p:spPr>
       </p:sp>
       <p:sp>
         <p:nvSpPr>
-          <p:cNvPr name="Freeform 8" id="8"/>
+          <p:cNvPr id="8" name="Freeform 8"/>
           <p:cNvSpPr/>
           <p:nvPr/>
         </p:nvSpPr>
         <p:spPr>
-          <a:xfrm flipH="false" flipV="false" rot="0">
+          <a:xfrm>
             <a:off x="11014997" y="2247308"/>
             <a:ext cx="355359" cy="556335"/>
           </a:xfrm>
@@ -6022,9 +6010,9 @@
             <a:gdLst/>
             <a:ahLst/>
             <a:cxnLst/>
-            <a:rect r="r" b="b" t="t" l="l"/>
+            <a:rect l="l" t="t" r="r" b="b"/>
             <a:pathLst>
-              <a:path h="556335" w="355359">
+              <a:path w="355359" h="556335">
                 <a:moveTo>
                   <a:pt x="0" y="0"/>
                 </a:moveTo>
@@ -6053,19 +6041,19 @@
               </a:extLst>
             </a:blip>
             <a:stretch>
-              <a:fillRect l="0" t="0" r="0" b="0"/>
+              <a:fillRect/>
             </a:stretch>
           </a:blipFill>
         </p:spPr>
       </p:sp>
       <p:sp>
         <p:nvSpPr>
-          <p:cNvPr name="Freeform 9" id="9"/>
+          <p:cNvPr id="9" name="Freeform 9"/>
           <p:cNvSpPr/>
           <p:nvPr/>
         </p:nvSpPr>
         <p:spPr>
-          <a:xfrm flipH="false" flipV="false" rot="0">
+          <a:xfrm>
             <a:off x="11480118" y="2247308"/>
             <a:ext cx="355359" cy="556335"/>
           </a:xfrm>
@@ -6074,9 +6062,9 @@
             <a:gdLst/>
             <a:ahLst/>
             <a:cxnLst/>
-            <a:rect r="r" b="b" t="t" l="l"/>
+            <a:rect l="l" t="t" r="r" b="b"/>
             <a:pathLst>
-              <a:path h="556335" w="355359">
+              <a:path w="355359" h="556335">
                 <a:moveTo>
                   <a:pt x="0" y="0"/>
                 </a:moveTo>
@@ -6105,19 +6093,19 @@
               </a:extLst>
             </a:blip>
             <a:stretch>
-              <a:fillRect l="0" t="0" r="0" b="0"/>
+              <a:fillRect/>
             </a:stretch>
           </a:blipFill>
         </p:spPr>
       </p:sp>
       <p:sp>
         <p:nvSpPr>
-          <p:cNvPr name="TextBox 10" id="10"/>
-          <p:cNvSpPr txBox="true"/>
+          <p:cNvPr id="10" name="TextBox 10"/>
+          <p:cNvSpPr txBox="1"/>
           <p:nvPr/>
         </p:nvSpPr>
         <p:spPr>
-          <a:xfrm rot="0">
+          <a:xfrm>
             <a:off x="6530158" y="3580492"/>
             <a:ext cx="6352853" cy="3406141"/>
           </a:xfrm>
@@ -6126,12 +6114,12 @@
           </a:prstGeom>
         </p:spPr>
         <p:txBody>
-          <a:bodyPr anchor="t" rtlCol="false" tIns="0" lIns="0" bIns="0" rIns="0">
+          <a:bodyPr lIns="0" tIns="0" rIns="0" bIns="0" rtlCol="0" anchor="t">
             <a:spAutoFit/>
           </a:bodyPr>
           <a:lstStyle/>
           <a:p>
-            <a:pPr algn="just" marL="841999" indent="-420999" lvl="1">
+            <a:pPr marL="841999" lvl="1" indent="-420999" algn="just">
               <a:lnSpc>
                 <a:spcPts val="5459"/>
               </a:lnSpc>
@@ -6149,7 +6137,7 @@
             </a:r>
           </a:p>
           <a:p>
-            <a:pPr algn="just" marL="841999" indent="-420999" lvl="1">
+            <a:pPr marL="841999" lvl="1" indent="-420999" algn="just">
               <a:lnSpc>
                 <a:spcPts val="5459"/>
               </a:lnSpc>
@@ -6167,7 +6155,7 @@
             </a:r>
           </a:p>
           <a:p>
-            <a:pPr algn="just" marL="841999" indent="-420999" lvl="1">
+            <a:pPr marL="841999" lvl="1" indent="-420999" algn="just">
               <a:lnSpc>
                 <a:spcPts val="5459"/>
               </a:lnSpc>
@@ -6185,7 +6173,7 @@
             </a:r>
           </a:p>
           <a:p>
-            <a:pPr algn="just" marL="841999" indent="-420999" lvl="1">
+            <a:pPr marL="841999" lvl="1" indent="-420999" algn="just">
               <a:lnSpc>
                 <a:spcPts val="5459"/>
               </a:lnSpc>
@@ -6208,6 +6196,12 @@
                 <a:spcPts val="5459"/>
               </a:lnSpc>
             </a:pPr>
+            <a:endParaRPr lang="en-US" sz="3899">
+              <a:solidFill>
+                <a:srgbClr val="FFFFFF"/>
+              </a:solidFill>
+              <a:latin typeface="Canva Sans"/>
+            </a:endParaRPr>
           </a:p>
         </p:txBody>
       </p:sp>
@@ -6220,7 +6214,7 @@
 </file>
 
 <file path=ppt/slides/slide5.xml><?xml version="1.0" encoding="utf-8"?>
-<p:sld xmlns:p="http://schemas.openxmlformats.org/presentationml/2006/main" xmlns:a="http://schemas.openxmlformats.org/drawingml/2006/main" xmlns:r="http://schemas.openxmlformats.org/officeDocument/2006/relationships">
+<p:sld xmlns:a="http://schemas.openxmlformats.org/drawingml/2006/main" xmlns:r="http://schemas.openxmlformats.org/officeDocument/2006/relationships" xmlns:p="http://schemas.openxmlformats.org/presentationml/2006/main">
   <p:cSld>
     <p:spTree>
       <p:nvGrpSpPr>
@@ -6238,12 +6232,12 @@
       </p:grpSpPr>
       <p:sp>
         <p:nvSpPr>
-          <p:cNvPr name="Freeform 2" id="2"/>
+          <p:cNvPr id="2" name="Freeform 2"/>
           <p:cNvSpPr/>
           <p:nvPr/>
         </p:nvSpPr>
         <p:spPr>
-          <a:xfrm flipH="false" flipV="false" rot="0">
+          <a:xfrm>
             <a:off x="0" y="0"/>
             <a:ext cx="18288000" cy="10287000"/>
           </a:xfrm>
@@ -6252,9 +6246,9 @@
             <a:gdLst/>
             <a:ahLst/>
             <a:cxnLst/>
-            <a:rect r="r" b="b" t="t" l="l"/>
+            <a:rect l="l" t="t" r="r" b="b"/>
             <a:pathLst>
-              <a:path h="10287000" w="18288000">
+              <a:path w="18288000" h="10287000">
                 <a:moveTo>
                   <a:pt x="0" y="0"/>
                 </a:moveTo>
@@ -6277,14 +6271,14 @@
           <a:blipFill>
             <a:blip r:embed="rId2"/>
             <a:stretch>
-              <a:fillRect l="0" t="-38888" r="0" b="-38888"/>
+              <a:fillRect t="-38888" b="-38888"/>
             </a:stretch>
           </a:blipFill>
         </p:spPr>
       </p:sp>
       <p:grpSp>
         <p:nvGrpSpPr>
-          <p:cNvPr name="Group 3" id="3"/>
+          <p:cNvPr id="3" name="Group 3"/>
           <p:cNvGrpSpPr/>
           <p:nvPr/>
         </p:nvGrpSpPr>
@@ -6298,12 +6292,12 @@
         </p:grpSpPr>
         <p:sp>
           <p:nvSpPr>
-            <p:cNvPr name="Freeform 4" id="4"/>
+            <p:cNvPr id="4" name="Freeform 4"/>
             <p:cNvSpPr/>
             <p:nvPr/>
           </p:nvSpPr>
           <p:spPr>
-            <a:xfrm flipH="false" flipV="false" rot="0">
+            <a:xfrm>
               <a:off x="0" y="0"/>
               <a:ext cx="1347239" cy="579341"/>
             </a:xfrm>
@@ -6312,9 +6306,9 @@
               <a:gdLst/>
               <a:ahLst/>
               <a:cxnLst/>
-              <a:rect r="r" b="b" t="t" l="l"/>
+              <a:rect l="l" t="t" r="r" b="b"/>
               <a:pathLst>
-                <a:path h="579341" w="1347239">
+                <a:path w="1347239" h="579341">
                   <a:moveTo>
                     <a:pt x="673619" y="0"/>
                   </a:moveTo>
@@ -6338,8 +6332,8 @@
         </p:sp>
         <p:sp>
           <p:nvSpPr>
-            <p:cNvPr name="TextBox 5" id="5"/>
-            <p:cNvSpPr txBox="true"/>
+            <p:cNvPr id="5" name="TextBox 5"/>
+            <p:cNvSpPr txBox="1"/>
             <p:nvPr/>
           </p:nvSpPr>
           <p:spPr>
@@ -6352,7 +6346,7 @@
             </a:prstGeom>
           </p:spPr>
           <p:txBody>
-            <a:bodyPr anchor="ctr" rtlCol="false" tIns="50800" lIns="50800" bIns="50800" rIns="50800"/>
+            <a:bodyPr lIns="50800" tIns="50800" rIns="50800" bIns="50800" rtlCol="0" anchor="ctr"/>
             <a:lstStyle/>
             <a:p>
               <a:pPr algn="ctr">
@@ -6363,18 +6357,19 @@
                   <a:spcPct val="0"/>
                 </a:spcBef>
               </a:pPr>
+              <a:endParaRPr/>
             </a:p>
           </p:txBody>
         </p:sp>
       </p:grpSp>
       <p:sp>
         <p:nvSpPr>
-          <p:cNvPr name="TextBox 6" id="6"/>
-          <p:cNvSpPr txBox="true"/>
+          <p:cNvPr id="6" name="TextBox 6"/>
+          <p:cNvSpPr txBox="1"/>
           <p:nvPr/>
         </p:nvSpPr>
         <p:spPr>
-          <a:xfrm rot="0">
+          <a:xfrm>
             <a:off x="1655205" y="764579"/>
             <a:ext cx="15235636" cy="1418947"/>
           </a:xfrm>
@@ -6383,7 +6378,7 @@
           </a:prstGeom>
         </p:spPr>
         <p:txBody>
-          <a:bodyPr anchor="t" rtlCol="false" tIns="0" lIns="0" bIns="0" rIns="0">
+          <a:bodyPr lIns="0" tIns="0" rIns="0" bIns="0" rtlCol="0" anchor="t">
             <a:spAutoFit/>
           </a:bodyPr>
           <a:lstStyle/>
@@ -6410,12 +6405,12 @@
       </p:sp>
       <p:sp>
         <p:nvSpPr>
-          <p:cNvPr name="Freeform 7" id="7"/>
+          <p:cNvPr id="7" name="Freeform 7"/>
           <p:cNvSpPr/>
           <p:nvPr/>
         </p:nvSpPr>
         <p:spPr>
-          <a:xfrm flipH="false" flipV="false" rot="0">
+          <a:xfrm>
             <a:off x="10549877" y="2247308"/>
             <a:ext cx="355359" cy="556335"/>
           </a:xfrm>
@@ -6424,9 +6419,9 @@
             <a:gdLst/>
             <a:ahLst/>
             <a:cxnLst/>
-            <a:rect r="r" b="b" t="t" l="l"/>
+            <a:rect l="l" t="t" r="r" b="b"/>
             <a:pathLst>
-              <a:path h="556335" w="355359">
+              <a:path w="355359" h="556335">
                 <a:moveTo>
                   <a:pt x="0" y="0"/>
                 </a:moveTo>
@@ -6455,19 +6450,19 @@
               </a:extLst>
             </a:blip>
             <a:stretch>
-              <a:fillRect l="0" t="0" r="0" b="0"/>
+              <a:fillRect/>
             </a:stretch>
           </a:blipFill>
         </p:spPr>
       </p:sp>
       <p:sp>
         <p:nvSpPr>
-          <p:cNvPr name="Freeform 8" id="8"/>
+          <p:cNvPr id="8" name="Freeform 8"/>
           <p:cNvSpPr/>
           <p:nvPr/>
         </p:nvSpPr>
         <p:spPr>
-          <a:xfrm flipH="false" flipV="false" rot="0">
+          <a:xfrm>
             <a:off x="11014997" y="2247308"/>
             <a:ext cx="355359" cy="556335"/>
           </a:xfrm>
@@ -6476,9 +6471,9 @@
             <a:gdLst/>
             <a:ahLst/>
             <a:cxnLst/>
-            <a:rect r="r" b="b" t="t" l="l"/>
+            <a:rect l="l" t="t" r="r" b="b"/>
             <a:pathLst>
-              <a:path h="556335" w="355359">
+              <a:path w="355359" h="556335">
                 <a:moveTo>
                   <a:pt x="0" y="0"/>
                 </a:moveTo>
@@ -6507,19 +6502,19 @@
               </a:extLst>
             </a:blip>
             <a:stretch>
-              <a:fillRect l="0" t="0" r="0" b="0"/>
+              <a:fillRect/>
             </a:stretch>
           </a:blipFill>
         </p:spPr>
       </p:sp>
       <p:sp>
         <p:nvSpPr>
-          <p:cNvPr name="Freeform 9" id="9"/>
+          <p:cNvPr id="9" name="Freeform 9"/>
           <p:cNvSpPr/>
           <p:nvPr/>
         </p:nvSpPr>
         <p:spPr>
-          <a:xfrm flipH="false" flipV="false" rot="0">
+          <a:xfrm>
             <a:off x="11480118" y="2247308"/>
             <a:ext cx="355359" cy="556335"/>
           </a:xfrm>
@@ -6528,9 +6523,9 @@
             <a:gdLst/>
             <a:ahLst/>
             <a:cxnLst/>
-            <a:rect r="r" b="b" t="t" l="l"/>
+            <a:rect l="l" t="t" r="r" b="b"/>
             <a:pathLst>
-              <a:path h="556335" w="355359">
+              <a:path w="355359" h="556335">
                 <a:moveTo>
                   <a:pt x="0" y="0"/>
                 </a:moveTo>
@@ -6559,19 +6554,19 @@
               </a:extLst>
             </a:blip>
             <a:stretch>
-              <a:fillRect l="0" t="0" r="0" b="0"/>
+              <a:fillRect/>
             </a:stretch>
           </a:blipFill>
         </p:spPr>
       </p:sp>
       <p:sp>
         <p:nvSpPr>
-          <p:cNvPr name="TextBox 10" id="10"/>
-          <p:cNvSpPr txBox="true"/>
+          <p:cNvPr id="10" name="TextBox 10"/>
+          <p:cNvSpPr txBox="1"/>
           <p:nvPr/>
         </p:nvSpPr>
         <p:spPr>
-          <a:xfrm rot="0">
+          <a:xfrm>
             <a:off x="1470975" y="2135901"/>
             <a:ext cx="15604095" cy="7990205"/>
           </a:xfrm>
@@ -6580,12 +6575,12 @@
           </a:prstGeom>
         </p:spPr>
         <p:txBody>
-          <a:bodyPr anchor="t" rtlCol="false" tIns="0" lIns="0" bIns="0" rIns="0">
+          <a:bodyPr lIns="0" tIns="0" rIns="0" bIns="0" rtlCol="0" anchor="t">
             <a:spAutoFit/>
           </a:bodyPr>
           <a:lstStyle/>
           <a:p>
-            <a:pPr algn="just" marL="496567" indent="-248284" lvl="1">
+            <a:pPr marL="496567" lvl="1" indent="-248284" algn="just">
               <a:lnSpc>
                 <a:spcPts val="3219"/>
               </a:lnSpc>
@@ -6603,7 +6598,7 @@
             </a:r>
           </a:p>
           <a:p>
-            <a:pPr algn="just" marL="496567" indent="-248284" lvl="1">
+            <a:pPr marL="496567" lvl="1" indent="-248284" algn="just">
               <a:lnSpc>
                 <a:spcPts val="3219"/>
               </a:lnSpc>
@@ -6621,7 +6616,7 @@
             </a:r>
           </a:p>
           <a:p>
-            <a:pPr algn="just" marL="496567" indent="-248284" lvl="1">
+            <a:pPr marL="496567" lvl="1" indent="-248284" algn="just">
               <a:lnSpc>
                 <a:spcPts val="3219"/>
               </a:lnSpc>
@@ -6639,7 +6634,7 @@
             </a:r>
           </a:p>
           <a:p>
-            <a:pPr algn="just" marL="496567" indent="-248284" lvl="1">
+            <a:pPr marL="496567" lvl="1" indent="-248284" algn="just">
               <a:lnSpc>
                 <a:spcPts val="3219"/>
               </a:lnSpc>
@@ -6657,7 +6652,7 @@
             </a:r>
           </a:p>
           <a:p>
-            <a:pPr algn="just" marL="496567" indent="-248284" lvl="1">
+            <a:pPr marL="496567" lvl="1" indent="-248284" algn="just">
               <a:lnSpc>
                 <a:spcPts val="3219"/>
               </a:lnSpc>
@@ -6680,6 +6675,12 @@
                 <a:spcPts val="3219"/>
               </a:lnSpc>
             </a:pPr>
+            <a:endParaRPr lang="en-US" sz="2299">
+              <a:solidFill>
+                <a:srgbClr val="FFFFFF"/>
+              </a:solidFill>
+              <a:latin typeface="Canva Sans"/>
+            </a:endParaRPr>
           </a:p>
           <a:p>
             <a:pPr algn="just">
@@ -6687,6 +6688,12 @@
                 <a:spcPts val="3219"/>
               </a:lnSpc>
             </a:pPr>
+            <a:endParaRPr lang="en-US" sz="2299">
+              <a:solidFill>
+                <a:srgbClr val="FFFFFF"/>
+              </a:solidFill>
+              <a:latin typeface="Canva Sans"/>
+            </a:endParaRPr>
           </a:p>
         </p:txBody>
       </p:sp>
@@ -6699,7 +6706,7 @@
 </file>
 
 <file path=ppt/slides/slide6.xml><?xml version="1.0" encoding="utf-8"?>
-<p:sld xmlns:p="http://schemas.openxmlformats.org/presentationml/2006/main" xmlns:a="http://schemas.openxmlformats.org/drawingml/2006/main" xmlns:r="http://schemas.openxmlformats.org/officeDocument/2006/relationships">
+<p:sld xmlns:a="http://schemas.openxmlformats.org/drawingml/2006/main" xmlns:r="http://schemas.openxmlformats.org/officeDocument/2006/relationships" xmlns:p="http://schemas.openxmlformats.org/presentationml/2006/main">
   <p:cSld>
     <p:spTree>
       <p:nvGrpSpPr>
@@ -6717,12 +6724,12 @@
       </p:grpSpPr>
       <p:sp>
         <p:nvSpPr>
-          <p:cNvPr name="Freeform 2" id="2"/>
+          <p:cNvPr id="2" name="Freeform 2"/>
           <p:cNvSpPr/>
           <p:nvPr/>
         </p:nvSpPr>
         <p:spPr>
-          <a:xfrm flipH="false" flipV="false" rot="0">
+          <a:xfrm>
             <a:off x="0" y="0"/>
             <a:ext cx="18288000" cy="10287000"/>
           </a:xfrm>
@@ -6731,9 +6738,9 @@
             <a:gdLst/>
             <a:ahLst/>
             <a:cxnLst/>
-            <a:rect r="r" b="b" t="t" l="l"/>
+            <a:rect l="l" t="t" r="r" b="b"/>
             <a:pathLst>
-              <a:path h="10287000" w="18288000">
+              <a:path w="18288000" h="10287000">
                 <a:moveTo>
                   <a:pt x="0" y="0"/>
                 </a:moveTo>
@@ -6756,14 +6763,14 @@
           <a:blipFill>
             <a:blip r:embed="rId2"/>
             <a:stretch>
-              <a:fillRect l="0" t="-38888" r="0" b="-38888"/>
+              <a:fillRect t="-38888" b="-38888"/>
             </a:stretch>
           </a:blipFill>
         </p:spPr>
       </p:sp>
       <p:grpSp>
         <p:nvGrpSpPr>
-          <p:cNvPr name="Group 3" id="3"/>
+          <p:cNvPr id="3" name="Group 3"/>
           <p:cNvGrpSpPr/>
           <p:nvPr/>
         </p:nvGrpSpPr>
@@ -6777,12 +6784,12 @@
         </p:grpSpPr>
         <p:sp>
           <p:nvSpPr>
-            <p:cNvPr name="Freeform 4" id="4"/>
+            <p:cNvPr id="4" name="Freeform 4"/>
             <p:cNvSpPr/>
             <p:nvPr/>
           </p:nvSpPr>
           <p:spPr>
-            <a:xfrm flipH="false" flipV="false" rot="0">
+            <a:xfrm>
               <a:off x="0" y="0"/>
               <a:ext cx="1347239" cy="579341"/>
             </a:xfrm>
@@ -6791,9 +6798,9 @@
               <a:gdLst/>
               <a:ahLst/>
               <a:cxnLst/>
-              <a:rect r="r" b="b" t="t" l="l"/>
+              <a:rect l="l" t="t" r="r" b="b"/>
               <a:pathLst>
-                <a:path h="579341" w="1347239">
+                <a:path w="1347239" h="579341">
                   <a:moveTo>
                     <a:pt x="673619" y="0"/>
                   </a:moveTo>
@@ -6817,8 +6824,8 @@
         </p:sp>
         <p:sp>
           <p:nvSpPr>
-            <p:cNvPr name="TextBox 5" id="5"/>
-            <p:cNvSpPr txBox="true"/>
+            <p:cNvPr id="5" name="TextBox 5"/>
+            <p:cNvSpPr txBox="1"/>
             <p:nvPr/>
           </p:nvSpPr>
           <p:spPr>
@@ -6831,7 +6838,7 @@
             </a:prstGeom>
           </p:spPr>
           <p:txBody>
-            <a:bodyPr anchor="ctr" rtlCol="false" tIns="50800" lIns="50800" bIns="50800" rIns="50800"/>
+            <a:bodyPr lIns="50800" tIns="50800" rIns="50800" bIns="50800" rtlCol="0" anchor="ctr"/>
             <a:lstStyle/>
             <a:p>
               <a:pPr algn="ctr">
@@ -6842,18 +6849,19 @@
                   <a:spcPct val="0"/>
                 </a:spcBef>
               </a:pPr>
+              <a:endParaRPr/>
             </a:p>
           </p:txBody>
         </p:sp>
       </p:grpSp>
       <p:sp>
         <p:nvSpPr>
-          <p:cNvPr name="TextBox 6" id="6"/>
-          <p:cNvSpPr txBox="true"/>
+          <p:cNvPr id="6" name="TextBox 6"/>
+          <p:cNvSpPr txBox="1"/>
           <p:nvPr/>
         </p:nvSpPr>
         <p:spPr>
-          <a:xfrm rot="0">
+          <a:xfrm>
             <a:off x="1655205" y="764579"/>
             <a:ext cx="15235636" cy="1418947"/>
           </a:xfrm>
@@ -6862,7 +6870,7 @@
           </a:prstGeom>
         </p:spPr>
         <p:txBody>
-          <a:bodyPr anchor="t" rtlCol="false" tIns="0" lIns="0" bIns="0" rIns="0">
+          <a:bodyPr lIns="0" tIns="0" rIns="0" bIns="0" rtlCol="0" anchor="t">
             <a:spAutoFit/>
           </a:bodyPr>
           <a:lstStyle/>
@@ -6889,12 +6897,12 @@
       </p:sp>
       <p:sp>
         <p:nvSpPr>
-          <p:cNvPr name="Freeform 7" id="7"/>
+          <p:cNvPr id="7" name="Freeform 7"/>
           <p:cNvSpPr/>
           <p:nvPr/>
         </p:nvSpPr>
         <p:spPr>
-          <a:xfrm flipH="false" flipV="false" rot="0">
+          <a:xfrm>
             <a:off x="10549877" y="2247308"/>
             <a:ext cx="355359" cy="556335"/>
           </a:xfrm>
@@ -6903,9 +6911,9 @@
             <a:gdLst/>
             <a:ahLst/>
             <a:cxnLst/>
-            <a:rect r="r" b="b" t="t" l="l"/>
+            <a:rect l="l" t="t" r="r" b="b"/>
             <a:pathLst>
-              <a:path h="556335" w="355359">
+              <a:path w="355359" h="556335">
                 <a:moveTo>
                   <a:pt x="0" y="0"/>
                 </a:moveTo>
@@ -6934,19 +6942,19 @@
               </a:extLst>
             </a:blip>
             <a:stretch>
-              <a:fillRect l="0" t="0" r="0" b="0"/>
+              <a:fillRect/>
             </a:stretch>
           </a:blipFill>
         </p:spPr>
       </p:sp>
       <p:sp>
         <p:nvSpPr>
-          <p:cNvPr name="Freeform 8" id="8"/>
+          <p:cNvPr id="8" name="Freeform 8"/>
           <p:cNvSpPr/>
           <p:nvPr/>
         </p:nvSpPr>
         <p:spPr>
-          <a:xfrm flipH="false" flipV="false" rot="0">
+          <a:xfrm>
             <a:off x="11014997" y="2247308"/>
             <a:ext cx="355359" cy="556335"/>
           </a:xfrm>
@@ -6955,9 +6963,9 @@
             <a:gdLst/>
             <a:ahLst/>
             <a:cxnLst/>
-            <a:rect r="r" b="b" t="t" l="l"/>
+            <a:rect l="l" t="t" r="r" b="b"/>
             <a:pathLst>
-              <a:path h="556335" w="355359">
+              <a:path w="355359" h="556335">
                 <a:moveTo>
                   <a:pt x="0" y="0"/>
                 </a:moveTo>
@@ -6986,19 +6994,19 @@
               </a:extLst>
             </a:blip>
             <a:stretch>
-              <a:fillRect l="0" t="0" r="0" b="0"/>
+              <a:fillRect/>
             </a:stretch>
           </a:blipFill>
         </p:spPr>
       </p:sp>
       <p:sp>
         <p:nvSpPr>
-          <p:cNvPr name="Freeform 9" id="9"/>
+          <p:cNvPr id="9" name="Freeform 9"/>
           <p:cNvSpPr/>
           <p:nvPr/>
         </p:nvSpPr>
         <p:spPr>
-          <a:xfrm flipH="false" flipV="false" rot="0">
+          <a:xfrm>
             <a:off x="11480118" y="2247308"/>
             <a:ext cx="355359" cy="556335"/>
           </a:xfrm>
@@ -7007,9 +7015,9 @@
             <a:gdLst/>
             <a:ahLst/>
             <a:cxnLst/>
-            <a:rect r="r" b="b" t="t" l="l"/>
+            <a:rect l="l" t="t" r="r" b="b"/>
             <a:pathLst>
-              <a:path h="556335" w="355359">
+              <a:path w="355359" h="556335">
                 <a:moveTo>
                   <a:pt x="0" y="0"/>
                 </a:moveTo>
@@ -7038,19 +7046,19 @@
               </a:extLst>
             </a:blip>
             <a:stretch>
-              <a:fillRect l="0" t="0" r="0" b="0"/>
+              <a:fillRect/>
             </a:stretch>
           </a:blipFill>
         </p:spPr>
       </p:sp>
       <p:sp>
         <p:nvSpPr>
-          <p:cNvPr name="TextBox 10" id="10"/>
-          <p:cNvSpPr txBox="true"/>
+          <p:cNvPr id="10" name="TextBox 10"/>
+          <p:cNvSpPr txBox="1"/>
           <p:nvPr/>
         </p:nvSpPr>
         <p:spPr>
-          <a:xfrm rot="0">
+          <a:xfrm>
             <a:off x="6530158" y="3580492"/>
             <a:ext cx="6352853" cy="4091941"/>
           </a:xfrm>
@@ -7059,12 +7067,12 @@
           </a:prstGeom>
         </p:spPr>
         <p:txBody>
-          <a:bodyPr anchor="t" rtlCol="false" tIns="0" lIns="0" bIns="0" rIns="0">
+          <a:bodyPr lIns="0" tIns="0" rIns="0" bIns="0" rtlCol="0" anchor="t">
             <a:spAutoFit/>
           </a:bodyPr>
           <a:lstStyle/>
           <a:p>
-            <a:pPr algn="just" marL="841999" indent="-420999" lvl="1">
+            <a:pPr marL="841999" lvl="1" indent="-420999" algn="just">
               <a:lnSpc>
                 <a:spcPts val="5459"/>
               </a:lnSpc>
@@ -7082,7 +7090,7 @@
             </a:r>
           </a:p>
           <a:p>
-            <a:pPr algn="just" marL="841999" indent="-420999" lvl="1">
+            <a:pPr marL="841999" lvl="1" indent="-420999" algn="just">
               <a:lnSpc>
                 <a:spcPts val="5459"/>
               </a:lnSpc>
@@ -7100,7 +7108,7 @@
             </a:r>
           </a:p>
           <a:p>
-            <a:pPr algn="just" marL="841999" indent="-420999" lvl="1">
+            <a:pPr marL="841999" lvl="1" indent="-420999" algn="just">
               <a:lnSpc>
                 <a:spcPts val="5459"/>
               </a:lnSpc>
@@ -7118,7 +7126,7 @@
             </a:r>
           </a:p>
           <a:p>
-            <a:pPr algn="just" marL="841999" indent="-420999" lvl="1">
+            <a:pPr marL="841999" lvl="1" indent="-420999" algn="just">
               <a:lnSpc>
                 <a:spcPts val="5459"/>
               </a:lnSpc>
@@ -7136,7 +7144,7 @@
             </a:r>
           </a:p>
           <a:p>
-            <a:pPr algn="just" marL="841999" indent="-420999" lvl="1">
+            <a:pPr marL="841999" lvl="1" indent="-420999" algn="just">
               <a:lnSpc>
                 <a:spcPts val="5459"/>
               </a:lnSpc>
@@ -7159,6 +7167,12 @@
                 <a:spcPts val="5459"/>
               </a:lnSpc>
             </a:pPr>
+            <a:endParaRPr lang="en-US" sz="3899">
+              <a:solidFill>
+                <a:srgbClr val="FFFFFF"/>
+              </a:solidFill>
+              <a:latin typeface="Canva Sans"/>
+            </a:endParaRPr>
           </a:p>
         </p:txBody>
       </p:sp>
@@ -7171,7 +7185,7 @@
 </file>
 
 <file path=ppt/slides/slide7.xml><?xml version="1.0" encoding="utf-8"?>
-<p:sld xmlns:p="http://schemas.openxmlformats.org/presentationml/2006/main" xmlns:a="http://schemas.openxmlformats.org/drawingml/2006/main" xmlns:r="http://schemas.openxmlformats.org/officeDocument/2006/relationships">
+<p:sld xmlns:a="http://schemas.openxmlformats.org/drawingml/2006/main" xmlns:r="http://schemas.openxmlformats.org/officeDocument/2006/relationships" xmlns:p="http://schemas.openxmlformats.org/presentationml/2006/main">
   <p:cSld>
     <p:spTree>
       <p:nvGrpSpPr>
@@ -7189,12 +7203,12 @@
       </p:grpSpPr>
       <p:sp>
         <p:nvSpPr>
-          <p:cNvPr name="Freeform 2" id="2"/>
+          <p:cNvPr id="2" name="Freeform 2"/>
           <p:cNvSpPr/>
           <p:nvPr/>
         </p:nvSpPr>
         <p:spPr>
-          <a:xfrm flipH="false" flipV="false" rot="0">
+          <a:xfrm>
             <a:off x="0" y="0"/>
             <a:ext cx="18288000" cy="10287000"/>
           </a:xfrm>
@@ -7203,9 +7217,9 @@
             <a:gdLst/>
             <a:ahLst/>
             <a:cxnLst/>
-            <a:rect r="r" b="b" t="t" l="l"/>
+            <a:rect l="l" t="t" r="r" b="b"/>
             <a:pathLst>
-              <a:path h="10287000" w="18288000">
+              <a:path w="18288000" h="10287000">
                 <a:moveTo>
                   <a:pt x="0" y="0"/>
                 </a:moveTo>
@@ -7228,14 +7242,14 @@
           <a:blipFill>
             <a:blip r:embed="rId2"/>
             <a:stretch>
-              <a:fillRect l="0" t="-38888" r="0" b="-38888"/>
+              <a:fillRect t="-38888" b="-38888"/>
             </a:stretch>
           </a:blipFill>
         </p:spPr>
       </p:sp>
       <p:grpSp>
         <p:nvGrpSpPr>
-          <p:cNvPr name="Group 3" id="3"/>
+          <p:cNvPr id="3" name="Group 3"/>
           <p:cNvGrpSpPr/>
           <p:nvPr/>
         </p:nvGrpSpPr>
@@ -7249,12 +7263,12 @@
         </p:grpSpPr>
         <p:sp>
           <p:nvSpPr>
-            <p:cNvPr name="Freeform 4" id="4"/>
+            <p:cNvPr id="4" name="Freeform 4"/>
             <p:cNvSpPr/>
             <p:nvPr/>
           </p:nvSpPr>
           <p:spPr>
-            <a:xfrm flipH="false" flipV="false" rot="0">
+            <a:xfrm>
               <a:off x="0" y="0"/>
               <a:ext cx="1347239" cy="579341"/>
             </a:xfrm>
@@ -7263,9 +7277,9 @@
               <a:gdLst/>
               <a:ahLst/>
               <a:cxnLst/>
-              <a:rect r="r" b="b" t="t" l="l"/>
+              <a:rect l="l" t="t" r="r" b="b"/>
               <a:pathLst>
-                <a:path h="579341" w="1347239">
+                <a:path w="1347239" h="579341">
                   <a:moveTo>
                     <a:pt x="673619" y="0"/>
                   </a:moveTo>
@@ -7289,8 +7303,8 @@
         </p:sp>
         <p:sp>
           <p:nvSpPr>
-            <p:cNvPr name="TextBox 5" id="5"/>
-            <p:cNvSpPr txBox="true"/>
+            <p:cNvPr id="5" name="TextBox 5"/>
+            <p:cNvSpPr txBox="1"/>
             <p:nvPr/>
           </p:nvSpPr>
           <p:spPr>
@@ -7303,7 +7317,7 @@
             </a:prstGeom>
           </p:spPr>
           <p:txBody>
-            <a:bodyPr anchor="ctr" rtlCol="false" tIns="50800" lIns="50800" bIns="50800" rIns="50800"/>
+            <a:bodyPr lIns="50800" tIns="50800" rIns="50800" bIns="50800" rtlCol="0" anchor="ctr"/>
             <a:lstStyle/>
             <a:p>
               <a:pPr algn="ctr">
@@ -7314,18 +7328,19 @@
                   <a:spcPct val="0"/>
                 </a:spcBef>
               </a:pPr>
+              <a:endParaRPr/>
             </a:p>
           </p:txBody>
         </p:sp>
       </p:grpSp>
       <p:sp>
         <p:nvSpPr>
-          <p:cNvPr name="Freeform 6" id="6"/>
+          <p:cNvPr id="6" name="Freeform 6"/>
           <p:cNvSpPr/>
           <p:nvPr/>
         </p:nvSpPr>
         <p:spPr>
-          <a:xfrm flipH="false" flipV="false" rot="0">
+          <a:xfrm>
             <a:off x="10549877" y="2247308"/>
             <a:ext cx="355359" cy="556335"/>
           </a:xfrm>
@@ -7334,9 +7349,9 @@
             <a:gdLst/>
             <a:ahLst/>
             <a:cxnLst/>
-            <a:rect r="r" b="b" t="t" l="l"/>
+            <a:rect l="l" t="t" r="r" b="b"/>
             <a:pathLst>
-              <a:path h="556335" w="355359">
+              <a:path w="355359" h="556335">
                 <a:moveTo>
                   <a:pt x="0" y="0"/>
                 </a:moveTo>
@@ -7365,19 +7380,19 @@
               </a:extLst>
             </a:blip>
             <a:stretch>
-              <a:fillRect l="0" t="0" r="0" b="0"/>
+              <a:fillRect/>
             </a:stretch>
           </a:blipFill>
         </p:spPr>
       </p:sp>
       <p:sp>
         <p:nvSpPr>
-          <p:cNvPr name="Freeform 7" id="7"/>
+          <p:cNvPr id="7" name="Freeform 7"/>
           <p:cNvSpPr/>
           <p:nvPr/>
         </p:nvSpPr>
         <p:spPr>
-          <a:xfrm flipH="false" flipV="false" rot="0">
+          <a:xfrm>
             <a:off x="11014997" y="2247308"/>
             <a:ext cx="355359" cy="556335"/>
           </a:xfrm>
@@ -7386,9 +7401,9 @@
             <a:gdLst/>
             <a:ahLst/>
             <a:cxnLst/>
-            <a:rect r="r" b="b" t="t" l="l"/>
+            <a:rect l="l" t="t" r="r" b="b"/>
             <a:pathLst>
-              <a:path h="556335" w="355359">
+              <a:path w="355359" h="556335">
                 <a:moveTo>
                   <a:pt x="0" y="0"/>
                 </a:moveTo>
@@ -7417,19 +7432,19 @@
               </a:extLst>
             </a:blip>
             <a:stretch>
-              <a:fillRect l="0" t="0" r="0" b="0"/>
+              <a:fillRect/>
             </a:stretch>
           </a:blipFill>
         </p:spPr>
       </p:sp>
       <p:sp>
         <p:nvSpPr>
-          <p:cNvPr name="Freeform 8" id="8"/>
+          <p:cNvPr id="8" name="Freeform 8"/>
           <p:cNvSpPr/>
           <p:nvPr/>
         </p:nvSpPr>
         <p:spPr>
-          <a:xfrm flipH="false" flipV="false" rot="0">
+          <a:xfrm>
             <a:off x="11480118" y="2247308"/>
             <a:ext cx="355359" cy="556335"/>
           </a:xfrm>
@@ -7438,9 +7453,9 @@
             <a:gdLst/>
             <a:ahLst/>
             <a:cxnLst/>
-            <a:rect r="r" b="b" t="t" l="l"/>
+            <a:rect l="l" t="t" r="r" b="b"/>
             <a:pathLst>
-              <a:path h="556335" w="355359">
+              <a:path w="355359" h="556335">
                 <a:moveTo>
                   <a:pt x="0" y="0"/>
                 </a:moveTo>
@@ -7469,19 +7484,19 @@
               </a:extLst>
             </a:blip>
             <a:stretch>
-              <a:fillRect l="0" t="0" r="0" b="0"/>
+              <a:fillRect/>
             </a:stretch>
           </a:blipFill>
         </p:spPr>
       </p:sp>
       <p:sp>
         <p:nvSpPr>
-          <p:cNvPr name="Freeform 9" id="9"/>
+          <p:cNvPr id="9" name="Freeform 9"/>
           <p:cNvSpPr/>
           <p:nvPr/>
         </p:nvSpPr>
         <p:spPr>
-          <a:xfrm flipH="false" flipV="false" rot="0">
+          <a:xfrm>
             <a:off x="2544412" y="2183526"/>
             <a:ext cx="13457222" cy="7079060"/>
           </a:xfrm>
@@ -7490,9 +7505,9 @@
             <a:gdLst/>
             <a:ahLst/>
             <a:cxnLst/>
-            <a:rect r="r" b="b" t="t" l="l"/>
+            <a:rect l="l" t="t" r="r" b="b"/>
             <a:pathLst>
-              <a:path h="7079060" w="13457222">
+              <a:path w="13457222" h="7079060">
                 <a:moveTo>
                   <a:pt x="0" y="0"/>
                 </a:moveTo>
@@ -7515,19 +7530,19 @@
           <a:blipFill>
             <a:blip r:embed="rId5"/>
             <a:stretch>
-              <a:fillRect l="0" t="0" r="0" b="0"/>
+              <a:fillRect/>
             </a:stretch>
           </a:blipFill>
         </p:spPr>
       </p:sp>
       <p:sp>
         <p:nvSpPr>
-          <p:cNvPr name="TextBox 10" id="10"/>
-          <p:cNvSpPr txBox="true"/>
+          <p:cNvPr id="10" name="TextBox 10"/>
+          <p:cNvSpPr txBox="1"/>
           <p:nvPr/>
         </p:nvSpPr>
         <p:spPr>
-          <a:xfrm rot="0">
+          <a:xfrm>
             <a:off x="1655205" y="764579"/>
             <a:ext cx="15235636" cy="1418947"/>
           </a:xfrm>
@@ -7536,7 +7551,7 @@
           </a:prstGeom>
         </p:spPr>
         <p:txBody>
-          <a:bodyPr anchor="t" rtlCol="false" tIns="0" lIns="0" bIns="0" rIns="0">
+          <a:bodyPr lIns="0" tIns="0" rIns="0" bIns="0" rtlCol="0" anchor="t">
             <a:spAutoFit/>
           </a:bodyPr>
           <a:lstStyle/>
@@ -7570,7 +7585,7 @@
 </file>
 
 <file path=ppt/slides/slide8.xml><?xml version="1.0" encoding="utf-8"?>
-<p:sld xmlns:p="http://schemas.openxmlformats.org/presentationml/2006/main" xmlns:a="http://schemas.openxmlformats.org/drawingml/2006/main" xmlns:r="http://schemas.openxmlformats.org/officeDocument/2006/relationships">
+<p:sld xmlns:a="http://schemas.openxmlformats.org/drawingml/2006/main" xmlns:r="http://schemas.openxmlformats.org/officeDocument/2006/relationships" xmlns:p="http://schemas.openxmlformats.org/presentationml/2006/main">
   <p:cSld>
     <p:spTree>
       <p:nvGrpSpPr>
@@ -7588,12 +7603,12 @@
       </p:grpSpPr>
       <p:sp>
         <p:nvSpPr>
-          <p:cNvPr name="Freeform 2" id="2"/>
+          <p:cNvPr id="2" name="Freeform 2"/>
           <p:cNvSpPr/>
           <p:nvPr/>
         </p:nvSpPr>
         <p:spPr>
-          <a:xfrm flipH="false" flipV="false" rot="0">
+          <a:xfrm>
             <a:off x="0" y="0"/>
             <a:ext cx="18288000" cy="10287000"/>
           </a:xfrm>
@@ -7602,9 +7617,9 @@
             <a:gdLst/>
             <a:ahLst/>
             <a:cxnLst/>
-            <a:rect r="r" b="b" t="t" l="l"/>
+            <a:rect l="l" t="t" r="r" b="b"/>
             <a:pathLst>
-              <a:path h="10287000" w="18288000">
+              <a:path w="18288000" h="10287000">
                 <a:moveTo>
                   <a:pt x="0" y="0"/>
                 </a:moveTo>
@@ -7627,14 +7642,14 @@
           <a:blipFill>
             <a:blip r:embed="rId2"/>
             <a:stretch>
-              <a:fillRect l="0" t="-38888" r="0" b="-38888"/>
+              <a:fillRect t="-38888" b="-38888"/>
             </a:stretch>
           </a:blipFill>
         </p:spPr>
       </p:sp>
       <p:grpSp>
         <p:nvGrpSpPr>
-          <p:cNvPr name="Group 3" id="3"/>
+          <p:cNvPr id="3" name="Group 3"/>
           <p:cNvGrpSpPr/>
           <p:nvPr/>
         </p:nvGrpSpPr>
@@ -7648,12 +7663,12 @@
         </p:grpSpPr>
         <p:sp>
           <p:nvSpPr>
-            <p:cNvPr name="Freeform 4" id="4"/>
+            <p:cNvPr id="4" name="Freeform 4"/>
             <p:cNvSpPr/>
             <p:nvPr/>
           </p:nvSpPr>
           <p:spPr>
-            <a:xfrm flipH="false" flipV="false" rot="0">
+            <a:xfrm>
               <a:off x="0" y="0"/>
               <a:ext cx="1347239" cy="579341"/>
             </a:xfrm>
@@ -7662,9 +7677,9 @@
               <a:gdLst/>
               <a:ahLst/>
               <a:cxnLst/>
-              <a:rect r="r" b="b" t="t" l="l"/>
+              <a:rect l="l" t="t" r="r" b="b"/>
               <a:pathLst>
-                <a:path h="579341" w="1347239">
+                <a:path w="1347239" h="579341">
                   <a:moveTo>
                     <a:pt x="673619" y="0"/>
                   </a:moveTo>
@@ -7688,8 +7703,8 @@
         </p:sp>
         <p:sp>
           <p:nvSpPr>
-            <p:cNvPr name="TextBox 5" id="5"/>
-            <p:cNvSpPr txBox="true"/>
+            <p:cNvPr id="5" name="TextBox 5"/>
+            <p:cNvSpPr txBox="1"/>
             <p:nvPr/>
           </p:nvSpPr>
           <p:spPr>
@@ -7702,7 +7717,7 @@
             </a:prstGeom>
           </p:spPr>
           <p:txBody>
-            <a:bodyPr anchor="ctr" rtlCol="false" tIns="50800" lIns="50800" bIns="50800" rIns="50800"/>
+            <a:bodyPr lIns="50800" tIns="50800" rIns="50800" bIns="50800" rtlCol="0" anchor="ctr"/>
             <a:lstStyle/>
             <a:p>
               <a:pPr algn="ctr">
@@ -7713,18 +7728,19 @@
                   <a:spcPct val="0"/>
                 </a:spcBef>
               </a:pPr>
+              <a:endParaRPr/>
             </a:p>
           </p:txBody>
         </p:sp>
       </p:grpSp>
       <p:sp>
         <p:nvSpPr>
-          <p:cNvPr name="Freeform 6" id="6"/>
+          <p:cNvPr id="6" name="Freeform 6"/>
           <p:cNvSpPr/>
           <p:nvPr/>
         </p:nvSpPr>
         <p:spPr>
-          <a:xfrm flipH="false" flipV="false" rot="0">
+          <a:xfrm>
             <a:off x="10549877" y="2247308"/>
             <a:ext cx="355359" cy="556335"/>
           </a:xfrm>
@@ -7733,9 +7749,9 @@
             <a:gdLst/>
             <a:ahLst/>
             <a:cxnLst/>
-            <a:rect r="r" b="b" t="t" l="l"/>
+            <a:rect l="l" t="t" r="r" b="b"/>
             <a:pathLst>
-              <a:path h="556335" w="355359">
+              <a:path w="355359" h="556335">
                 <a:moveTo>
                   <a:pt x="0" y="0"/>
                 </a:moveTo>
@@ -7764,19 +7780,19 @@
               </a:extLst>
             </a:blip>
             <a:stretch>
-              <a:fillRect l="0" t="0" r="0" b="0"/>
+              <a:fillRect/>
             </a:stretch>
           </a:blipFill>
         </p:spPr>
       </p:sp>
       <p:sp>
         <p:nvSpPr>
-          <p:cNvPr name="Freeform 7" id="7"/>
+          <p:cNvPr id="7" name="Freeform 7"/>
           <p:cNvSpPr/>
           <p:nvPr/>
         </p:nvSpPr>
         <p:spPr>
-          <a:xfrm flipH="false" flipV="false" rot="0">
+          <a:xfrm>
             <a:off x="11014997" y="2247308"/>
             <a:ext cx="355359" cy="556335"/>
           </a:xfrm>
@@ -7785,9 +7801,9 @@
             <a:gdLst/>
             <a:ahLst/>
             <a:cxnLst/>
-            <a:rect r="r" b="b" t="t" l="l"/>
+            <a:rect l="l" t="t" r="r" b="b"/>
             <a:pathLst>
-              <a:path h="556335" w="355359">
+              <a:path w="355359" h="556335">
                 <a:moveTo>
                   <a:pt x="0" y="0"/>
                 </a:moveTo>
@@ -7816,19 +7832,19 @@
               </a:extLst>
             </a:blip>
             <a:stretch>
-              <a:fillRect l="0" t="0" r="0" b="0"/>
+              <a:fillRect/>
             </a:stretch>
           </a:blipFill>
         </p:spPr>
       </p:sp>
       <p:sp>
         <p:nvSpPr>
-          <p:cNvPr name="Freeform 8" id="8"/>
+          <p:cNvPr id="8" name="Freeform 8"/>
           <p:cNvSpPr/>
           <p:nvPr/>
         </p:nvSpPr>
         <p:spPr>
-          <a:xfrm flipH="false" flipV="false" rot="0">
+          <a:xfrm>
             <a:off x="11480118" y="2247308"/>
             <a:ext cx="355359" cy="556335"/>
           </a:xfrm>
@@ -7837,9 +7853,9 @@
             <a:gdLst/>
             <a:ahLst/>
             <a:cxnLst/>
-            <a:rect r="r" b="b" t="t" l="l"/>
+            <a:rect l="l" t="t" r="r" b="b"/>
             <a:pathLst>
-              <a:path h="556335" w="355359">
+              <a:path w="355359" h="556335">
                 <a:moveTo>
                   <a:pt x="0" y="0"/>
                 </a:moveTo>
@@ -7868,19 +7884,19 @@
               </a:extLst>
             </a:blip>
             <a:stretch>
-              <a:fillRect l="0" t="0" r="0" b="0"/>
+              <a:fillRect/>
             </a:stretch>
           </a:blipFill>
         </p:spPr>
       </p:sp>
       <p:sp>
         <p:nvSpPr>
-          <p:cNvPr name="Freeform 9" id="9"/>
+          <p:cNvPr id="9" name="Freeform 9"/>
           <p:cNvSpPr/>
           <p:nvPr/>
         </p:nvSpPr>
         <p:spPr>
-          <a:xfrm flipH="false" flipV="false" rot="0">
+          <a:xfrm>
             <a:off x="2415389" y="1603970"/>
             <a:ext cx="13457222" cy="7079060"/>
           </a:xfrm>
@@ -7889,9 +7905,9 @@
             <a:gdLst/>
             <a:ahLst/>
             <a:cxnLst/>
-            <a:rect r="r" b="b" t="t" l="l"/>
+            <a:rect l="l" t="t" r="r" b="b"/>
             <a:pathLst>
-              <a:path h="7079060" w="13457222">
+              <a:path w="13457222" h="7079060">
                 <a:moveTo>
                   <a:pt x="0" y="0"/>
                 </a:moveTo>
@@ -7914,7 +7930,7 @@
           <a:blipFill>
             <a:blip r:embed="rId5"/>
             <a:stretch>
-              <a:fillRect l="0" t="0" r="0" b="0"/>
+              <a:fillRect/>
             </a:stretch>
           </a:blipFill>
         </p:spPr>
@@ -7928,7 +7944,7 @@
 </file>
 
 <file path=ppt/slides/slide9.xml><?xml version="1.0" encoding="utf-8"?>
-<p:sld xmlns:p="http://schemas.openxmlformats.org/presentationml/2006/main" xmlns:a="http://schemas.openxmlformats.org/drawingml/2006/main" xmlns:r="http://schemas.openxmlformats.org/officeDocument/2006/relationships">
+<p:sld xmlns:a="http://schemas.openxmlformats.org/drawingml/2006/main" xmlns:r="http://schemas.openxmlformats.org/officeDocument/2006/relationships" xmlns:p="http://schemas.openxmlformats.org/presentationml/2006/main">
   <p:cSld>
     <p:spTree>
       <p:nvGrpSpPr>
@@ -7946,12 +7962,12 @@
       </p:grpSpPr>
       <p:sp>
         <p:nvSpPr>
-          <p:cNvPr name="Freeform 2" id="2"/>
+          <p:cNvPr id="2" name="Freeform 2"/>
           <p:cNvSpPr/>
           <p:nvPr/>
         </p:nvSpPr>
         <p:spPr>
-          <a:xfrm flipH="false" flipV="false" rot="0">
+          <a:xfrm>
             <a:off x="0" y="0"/>
             <a:ext cx="18288000" cy="10287000"/>
           </a:xfrm>
@@ -7960,9 +7976,9 @@
             <a:gdLst/>
             <a:ahLst/>
             <a:cxnLst/>
-            <a:rect r="r" b="b" t="t" l="l"/>
+            <a:rect l="l" t="t" r="r" b="b"/>
             <a:pathLst>
-              <a:path h="10287000" w="18288000">
+              <a:path w="18288000" h="10287000">
                 <a:moveTo>
                   <a:pt x="0" y="0"/>
                 </a:moveTo>
@@ -7985,14 +8001,14 @@
           <a:blipFill>
             <a:blip r:embed="rId2"/>
             <a:stretch>
-              <a:fillRect l="0" t="-38888" r="0" b="-38888"/>
+              <a:fillRect t="-38888" b="-38888"/>
             </a:stretch>
           </a:blipFill>
         </p:spPr>
       </p:sp>
       <p:grpSp>
         <p:nvGrpSpPr>
-          <p:cNvPr name="Group 3" id="3"/>
+          <p:cNvPr id="3" name="Group 3"/>
           <p:cNvGrpSpPr/>
           <p:nvPr/>
         </p:nvGrpSpPr>
@@ -8006,12 +8022,12 @@
         </p:grpSpPr>
         <p:sp>
           <p:nvSpPr>
-            <p:cNvPr name="Freeform 4" id="4"/>
+            <p:cNvPr id="4" name="Freeform 4"/>
             <p:cNvSpPr/>
             <p:nvPr/>
           </p:nvSpPr>
           <p:spPr>
-            <a:xfrm flipH="false" flipV="false" rot="0">
+            <a:xfrm>
               <a:off x="0" y="0"/>
               <a:ext cx="1347239" cy="579341"/>
             </a:xfrm>
@@ -8020,9 +8036,9 @@
               <a:gdLst/>
               <a:ahLst/>
               <a:cxnLst/>
-              <a:rect r="r" b="b" t="t" l="l"/>
+              <a:rect l="l" t="t" r="r" b="b"/>
               <a:pathLst>
-                <a:path h="579341" w="1347239">
+                <a:path w="1347239" h="579341">
                   <a:moveTo>
                     <a:pt x="673619" y="0"/>
                   </a:moveTo>
@@ -8046,8 +8062,8 @@
         </p:sp>
         <p:sp>
           <p:nvSpPr>
-            <p:cNvPr name="TextBox 5" id="5"/>
-            <p:cNvSpPr txBox="true"/>
+            <p:cNvPr id="5" name="TextBox 5"/>
+            <p:cNvSpPr txBox="1"/>
             <p:nvPr/>
           </p:nvSpPr>
           <p:spPr>
@@ -8060,7 +8076,7 @@
             </a:prstGeom>
           </p:spPr>
           <p:txBody>
-            <a:bodyPr anchor="ctr" rtlCol="false" tIns="50800" lIns="50800" bIns="50800" rIns="50800"/>
+            <a:bodyPr lIns="50800" tIns="50800" rIns="50800" bIns="50800" rtlCol="0" anchor="ctr"/>
             <a:lstStyle/>
             <a:p>
               <a:pPr algn="ctr">
@@ -8071,18 +8087,19 @@
                   <a:spcPct val="0"/>
                 </a:spcBef>
               </a:pPr>
+              <a:endParaRPr/>
             </a:p>
           </p:txBody>
         </p:sp>
       </p:grpSp>
       <p:sp>
         <p:nvSpPr>
-          <p:cNvPr name="Freeform 6" id="6"/>
+          <p:cNvPr id="6" name="Freeform 6"/>
           <p:cNvSpPr/>
           <p:nvPr/>
         </p:nvSpPr>
         <p:spPr>
-          <a:xfrm flipH="false" flipV="false" rot="0">
+          <a:xfrm>
             <a:off x="10549877" y="2247308"/>
             <a:ext cx="355359" cy="556335"/>
           </a:xfrm>
@@ -8091,9 +8108,9 @@
             <a:gdLst/>
             <a:ahLst/>
             <a:cxnLst/>
-            <a:rect r="r" b="b" t="t" l="l"/>
+            <a:rect l="l" t="t" r="r" b="b"/>
             <a:pathLst>
-              <a:path h="556335" w="355359">
+              <a:path w="355359" h="556335">
                 <a:moveTo>
                   <a:pt x="0" y="0"/>
                 </a:moveTo>
@@ -8122,19 +8139,19 @@
               </a:extLst>
             </a:blip>
             <a:stretch>
-              <a:fillRect l="0" t="0" r="0" b="0"/>
+              <a:fillRect/>
             </a:stretch>
           </a:blipFill>
         </p:spPr>
       </p:sp>
       <p:sp>
         <p:nvSpPr>
-          <p:cNvPr name="Freeform 7" id="7"/>
+          <p:cNvPr id="7" name="Freeform 7"/>
           <p:cNvSpPr/>
           <p:nvPr/>
         </p:nvSpPr>
         <p:spPr>
-          <a:xfrm flipH="false" flipV="false" rot="0">
+          <a:xfrm>
             <a:off x="11014997" y="2247308"/>
             <a:ext cx="355359" cy="556335"/>
           </a:xfrm>
@@ -8143,9 +8160,9 @@
             <a:gdLst/>
             <a:ahLst/>
             <a:cxnLst/>
-            <a:rect r="r" b="b" t="t" l="l"/>
+            <a:rect l="l" t="t" r="r" b="b"/>
             <a:pathLst>
-              <a:path h="556335" w="355359">
+              <a:path w="355359" h="556335">
                 <a:moveTo>
                   <a:pt x="0" y="0"/>
                 </a:moveTo>
@@ -8174,19 +8191,19 @@
               </a:extLst>
             </a:blip>
             <a:stretch>
-              <a:fillRect l="0" t="0" r="0" b="0"/>
+              <a:fillRect/>
             </a:stretch>
           </a:blipFill>
         </p:spPr>
       </p:sp>
       <p:sp>
         <p:nvSpPr>
-          <p:cNvPr name="Freeform 8" id="8"/>
+          <p:cNvPr id="8" name="Freeform 8"/>
           <p:cNvSpPr/>
           <p:nvPr/>
         </p:nvSpPr>
         <p:spPr>
-          <a:xfrm flipH="false" flipV="false" rot="0">
+          <a:xfrm>
             <a:off x="11480118" y="2247308"/>
             <a:ext cx="355359" cy="556335"/>
           </a:xfrm>
@@ -8195,9 +8212,9 @@
             <a:gdLst/>
             <a:ahLst/>
             <a:cxnLst/>
-            <a:rect r="r" b="b" t="t" l="l"/>
+            <a:rect l="l" t="t" r="r" b="b"/>
             <a:pathLst>
-              <a:path h="556335" w="355359">
+              <a:path w="355359" h="556335">
                 <a:moveTo>
                   <a:pt x="0" y="0"/>
                 </a:moveTo>
@@ -8226,19 +8243,19 @@
               </a:extLst>
             </a:blip>
             <a:stretch>
-              <a:fillRect l="0" t="0" r="0" b="0"/>
+              <a:fillRect/>
             </a:stretch>
           </a:blipFill>
         </p:spPr>
       </p:sp>
       <p:sp>
         <p:nvSpPr>
-          <p:cNvPr name="Freeform 9" id="9"/>
+          <p:cNvPr id="9" name="Freeform 9"/>
           <p:cNvSpPr/>
           <p:nvPr/>
         </p:nvSpPr>
         <p:spPr>
-          <a:xfrm flipH="false" flipV="false" rot="0">
+          <a:xfrm>
             <a:off x="2415389" y="1603970"/>
             <a:ext cx="13457222" cy="7079060"/>
           </a:xfrm>
@@ -8247,9 +8264,9 @@
             <a:gdLst/>
             <a:ahLst/>
             <a:cxnLst/>
-            <a:rect r="r" b="b" t="t" l="l"/>
+            <a:rect l="l" t="t" r="r" b="b"/>
             <a:pathLst>
-              <a:path h="7079060" w="13457222">
+              <a:path w="13457222" h="7079060">
                 <a:moveTo>
                   <a:pt x="0" y="0"/>
                 </a:moveTo>
@@ -8272,7 +8289,7 @@
           <a:blipFill>
             <a:blip r:embed="rId5"/>
             <a:stretch>
-              <a:fillRect l="0" t="0" r="0" b="0"/>
+              <a:fillRect/>
             </a:stretch>
           </a:blipFill>
         </p:spPr>
